--- a/再学一遍机器学习系列/01_彻底理解机器学习 ROC和AUC 指标/新建 PPTX 演示文稿.pptx
+++ b/再学一遍机器学习系列/01_彻底理解机器学习 ROC和AUC 指标/新建 PPTX 演示文稿.pptx
@@ -13,12 +13,13 @@
     <p:sldId id="270" r:id="rId8"/>
     <p:sldId id="265" r:id="rId9"/>
     <p:sldId id="257" r:id="rId10"/>
-    <p:sldId id="259" r:id="rId11"/>
+    <p:sldId id="274" r:id="rId11"/>
+    <p:sldId id="259" r:id="rId12"/>
   </p:sldIdLst>
   <p:sldSz cx="12192000" cy="6858000"/>
   <p:notesSz cx="6858000" cy="9144000"/>
   <p:custDataLst>
-    <p:tags r:id="rId15"/>
+    <p:tags r:id="rId16"/>
   </p:custDataLst>
   <p:defaultTextStyle>
     <a:defPPr>
@@ -6689,6 +6690,975 @@
 </p:sld>
 </file>
 
+<file path=ppt/slides/slide10.xml><?xml version="1.0" encoding="utf-8"?>
+<p:sld xmlns:a="http://schemas.openxmlformats.org/drawingml/2006/main" xmlns:r="http://schemas.openxmlformats.org/officeDocument/2006/relationships" xmlns:p="http://schemas.openxmlformats.org/presentationml/2006/main">
+  <p:cSld>
+    <p:spTree>
+      <p:nvGrpSpPr>
+        <p:cNvPr id="1" name=""/>
+        <p:cNvGrpSpPr/>
+        <p:nvPr/>
+      </p:nvGrpSpPr>
+      <p:grpSpPr/>
+      <p:cxnSp>
+        <p:nvCxnSpPr>
+          <p:cNvPr id="2" name="直接箭头连接符 1"/>
+          <p:cNvCxnSpPr/>
+          <p:nvPr/>
+        </p:nvCxnSpPr>
+        <p:spPr>
+          <a:xfrm>
+            <a:off x="3449320" y="4216400"/>
+            <a:ext cx="4079875" cy="18415"/>
+          </a:xfrm>
+          <a:prstGeom prst="straightConnector1">
+            <a:avLst/>
+          </a:prstGeom>
+          <a:ln w="31750" cap="rnd">
+            <a:solidFill>
+              <a:schemeClr val="accent1"/>
+            </a:solidFill>
+            <a:round/>
+            <a:tailEnd type="arrow" w="med" len="med"/>
+          </a:ln>
+        </p:spPr>
+        <p:style>
+          <a:lnRef idx="0">
+            <a:srgbClr val="FFFFFF"/>
+          </a:lnRef>
+          <a:fillRef idx="0">
+            <a:srgbClr val="FFFFFF"/>
+          </a:fillRef>
+          <a:effectRef idx="0">
+            <a:srgbClr val="FFFFFF"/>
+          </a:effectRef>
+          <a:fontRef idx="minor">
+            <a:schemeClr val="tx1"/>
+          </a:fontRef>
+        </p:style>
+      </p:cxnSp>
+      <p:cxnSp>
+        <p:nvCxnSpPr>
+          <p:cNvPr id="3" name="直接箭头连接符 2"/>
+          <p:cNvCxnSpPr/>
+          <p:nvPr/>
+        </p:nvCxnSpPr>
+        <p:spPr>
+          <a:xfrm flipH="1" flipV="1">
+            <a:off x="3415665" y="1059815"/>
+            <a:ext cx="27305" cy="3156585"/>
+          </a:xfrm>
+          <a:prstGeom prst="straightConnector1">
+            <a:avLst/>
+          </a:prstGeom>
+          <a:ln w="31750" cap="rnd">
+            <a:solidFill>
+              <a:schemeClr val="accent1"/>
+            </a:solidFill>
+            <a:round/>
+            <a:tailEnd type="arrow" w="med" len="med"/>
+          </a:ln>
+        </p:spPr>
+        <p:style>
+          <a:lnRef idx="0">
+            <a:srgbClr val="FFFFFF"/>
+          </a:lnRef>
+          <a:fillRef idx="0">
+            <a:srgbClr val="FFFFFF"/>
+          </a:fillRef>
+          <a:effectRef idx="0">
+            <a:srgbClr val="FFFFFF"/>
+          </a:effectRef>
+          <a:fontRef idx="minor">
+            <a:schemeClr val="tx1"/>
+          </a:fontRef>
+        </p:style>
+      </p:cxnSp>
+      <p:sp>
+        <p:nvSpPr>
+          <p:cNvPr id="4" name="文本框 3"/>
+          <p:cNvSpPr txBox="1"/>
+          <p:nvPr/>
+        </p:nvSpPr>
+        <p:spPr>
+          <a:xfrm>
+            <a:off x="3094990" y="618490"/>
+            <a:ext cx="850265" cy="460375"/>
+          </a:xfrm>
+          <a:prstGeom prst="rect">
+            <a:avLst/>
+          </a:prstGeom>
+          <a:noFill/>
+        </p:spPr>
+        <p:txBody>
+          <a:bodyPr wrap="square" rtlCol="0">
+            <a:spAutoFit/>
+          </a:bodyPr>
+          <a:p>
+            <a:r>
+              <a:rPr lang="en-US" altLang="zh-CN" sz="2400" b="1"/>
+              <a:t>TPR</a:t>
+            </a:r>
+            <a:endParaRPr lang="en-US" altLang="zh-CN" sz="2400" b="1"/>
+          </a:p>
+        </p:txBody>
+      </p:sp>
+      <p:sp>
+        <p:nvSpPr>
+          <p:cNvPr id="6" name="文本框 5"/>
+          <p:cNvSpPr txBox="1"/>
+          <p:nvPr/>
+        </p:nvSpPr>
+        <p:spPr>
+          <a:xfrm>
+            <a:off x="7660640" y="4041140"/>
+            <a:ext cx="752475" cy="455930"/>
+          </a:xfrm>
+          <a:prstGeom prst="rect">
+            <a:avLst/>
+          </a:prstGeom>
+          <a:noFill/>
+        </p:spPr>
+        <p:txBody>
+          <a:bodyPr wrap="square" rtlCol="0">
+            <a:noAutofit/>
+          </a:bodyPr>
+          <a:p>
+            <a:r>
+              <a:rPr lang="en-US" altLang="zh-CN" sz="2400" b="1"/>
+              <a:t>FPR</a:t>
+            </a:r>
+            <a:endParaRPr lang="en-US" altLang="zh-CN" sz="2400" b="1"/>
+          </a:p>
+        </p:txBody>
+      </p:sp>
+      <p:sp>
+        <p:nvSpPr>
+          <p:cNvPr id="13" name="文本框 12"/>
+          <p:cNvSpPr txBox="1"/>
+          <p:nvPr/>
+        </p:nvSpPr>
+        <p:spPr>
+          <a:xfrm>
+            <a:off x="2834640" y="2957830"/>
+            <a:ext cx="541020" cy="368300"/>
+          </a:xfrm>
+          <a:prstGeom prst="rect">
+            <a:avLst/>
+          </a:prstGeom>
+          <a:noFill/>
+        </p:spPr>
+        <p:txBody>
+          <a:bodyPr wrap="square" rtlCol="0">
+            <a:spAutoFit/>
+          </a:bodyPr>
+          <a:p>
+            <a:r>
+              <a:rPr lang="en-US" altLang="zh-CN"/>
+              <a:t>0.5</a:t>
+            </a:r>
+            <a:endParaRPr lang="en-US" altLang="zh-CN"/>
+          </a:p>
+        </p:txBody>
+      </p:sp>
+      <p:sp>
+        <p:nvSpPr>
+          <p:cNvPr id="14" name="文本框 13"/>
+          <p:cNvSpPr txBox="1"/>
+          <p:nvPr/>
+        </p:nvSpPr>
+        <p:spPr>
+          <a:xfrm>
+            <a:off x="2828925" y="2644775"/>
+            <a:ext cx="541020" cy="368300"/>
+          </a:xfrm>
+          <a:prstGeom prst="rect">
+            <a:avLst/>
+          </a:prstGeom>
+          <a:noFill/>
+        </p:spPr>
+        <p:txBody>
+          <a:bodyPr wrap="square" rtlCol="0">
+            <a:spAutoFit/>
+          </a:bodyPr>
+          <a:p>
+            <a:r>
+              <a:rPr lang="en-US" altLang="zh-CN"/>
+              <a:t>0.6</a:t>
+            </a:r>
+            <a:endParaRPr lang="en-US" altLang="zh-CN"/>
+          </a:p>
+        </p:txBody>
+      </p:sp>
+      <p:sp>
+        <p:nvSpPr>
+          <p:cNvPr id="15" name="文本框 14"/>
+          <p:cNvSpPr txBox="1"/>
+          <p:nvPr/>
+        </p:nvSpPr>
+        <p:spPr>
+          <a:xfrm>
+            <a:off x="2830195" y="2338705"/>
+            <a:ext cx="541020" cy="368300"/>
+          </a:xfrm>
+          <a:prstGeom prst="rect">
+            <a:avLst/>
+          </a:prstGeom>
+          <a:noFill/>
+        </p:spPr>
+        <p:txBody>
+          <a:bodyPr wrap="square" rtlCol="0">
+            <a:spAutoFit/>
+          </a:bodyPr>
+          <a:p>
+            <a:r>
+              <a:rPr lang="en-US" altLang="zh-CN"/>
+              <a:t>0.7</a:t>
+            </a:r>
+            <a:endParaRPr lang="en-US" altLang="zh-CN"/>
+          </a:p>
+        </p:txBody>
+      </p:sp>
+      <p:sp>
+        <p:nvSpPr>
+          <p:cNvPr id="16" name="文本框 15"/>
+          <p:cNvSpPr txBox="1"/>
+          <p:nvPr/>
+        </p:nvSpPr>
+        <p:spPr>
+          <a:xfrm>
+            <a:off x="2831465" y="1990725"/>
+            <a:ext cx="541020" cy="368300"/>
+          </a:xfrm>
+          <a:prstGeom prst="rect">
+            <a:avLst/>
+          </a:prstGeom>
+          <a:noFill/>
+        </p:spPr>
+        <p:txBody>
+          <a:bodyPr wrap="square" rtlCol="0">
+            <a:spAutoFit/>
+          </a:bodyPr>
+          <a:p>
+            <a:r>
+              <a:rPr lang="en-US" altLang="zh-CN"/>
+              <a:t>0.8</a:t>
+            </a:r>
+            <a:endParaRPr lang="en-US" altLang="zh-CN"/>
+          </a:p>
+        </p:txBody>
+      </p:sp>
+      <p:sp>
+        <p:nvSpPr>
+          <p:cNvPr id="17" name="文本框 16"/>
+          <p:cNvSpPr txBox="1"/>
+          <p:nvPr/>
+        </p:nvSpPr>
+        <p:spPr>
+          <a:xfrm>
+            <a:off x="2825750" y="1677670"/>
+            <a:ext cx="541020" cy="368300"/>
+          </a:xfrm>
+          <a:prstGeom prst="rect">
+            <a:avLst/>
+          </a:prstGeom>
+          <a:noFill/>
+        </p:spPr>
+        <p:txBody>
+          <a:bodyPr wrap="square" rtlCol="0">
+            <a:spAutoFit/>
+          </a:bodyPr>
+          <a:p>
+            <a:r>
+              <a:rPr lang="en-US" altLang="zh-CN"/>
+              <a:t>0.9</a:t>
+            </a:r>
+            <a:endParaRPr lang="en-US" altLang="zh-CN"/>
+          </a:p>
+        </p:txBody>
+      </p:sp>
+      <p:sp>
+        <p:nvSpPr>
+          <p:cNvPr id="18" name="文本框 17"/>
+          <p:cNvSpPr txBox="1"/>
+          <p:nvPr/>
+        </p:nvSpPr>
+        <p:spPr>
+          <a:xfrm>
+            <a:off x="2827020" y="1392555"/>
+            <a:ext cx="541020" cy="368300"/>
+          </a:xfrm>
+          <a:prstGeom prst="rect">
+            <a:avLst/>
+          </a:prstGeom>
+          <a:noFill/>
+        </p:spPr>
+        <p:txBody>
+          <a:bodyPr wrap="square" rtlCol="0">
+            <a:spAutoFit/>
+          </a:bodyPr>
+          <a:p>
+            <a:r>
+              <a:rPr lang="en-US" altLang="zh-CN"/>
+              <a:t>1.0</a:t>
+            </a:r>
+            <a:endParaRPr lang="en-US" altLang="zh-CN"/>
+          </a:p>
+        </p:txBody>
+      </p:sp>
+      <p:sp>
+        <p:nvSpPr>
+          <p:cNvPr id="19" name="文本框 18"/>
+          <p:cNvSpPr txBox="1"/>
+          <p:nvPr/>
+        </p:nvSpPr>
+        <p:spPr>
+          <a:xfrm>
+            <a:off x="4088130" y="4280535"/>
+            <a:ext cx="508635" cy="368300"/>
+          </a:xfrm>
+          <a:prstGeom prst="rect">
+            <a:avLst/>
+          </a:prstGeom>
+          <a:noFill/>
+        </p:spPr>
+        <p:txBody>
+          <a:bodyPr wrap="square" rtlCol="0">
+            <a:spAutoFit/>
+          </a:bodyPr>
+          <a:p>
+            <a:r>
+              <a:rPr lang="en-US" altLang="zh-CN"/>
+              <a:t>0.3</a:t>
+            </a:r>
+            <a:endParaRPr lang="en-US" altLang="zh-CN"/>
+          </a:p>
+        </p:txBody>
+      </p:sp>
+      <p:sp>
+        <p:nvSpPr>
+          <p:cNvPr id="20" name="文本框 19"/>
+          <p:cNvSpPr txBox="1"/>
+          <p:nvPr/>
+        </p:nvSpPr>
+        <p:spPr>
+          <a:xfrm>
+            <a:off x="5000625" y="4278630"/>
+            <a:ext cx="516255" cy="368300"/>
+          </a:xfrm>
+          <a:prstGeom prst="rect">
+            <a:avLst/>
+          </a:prstGeom>
+          <a:noFill/>
+        </p:spPr>
+        <p:txBody>
+          <a:bodyPr wrap="square" rtlCol="0">
+            <a:spAutoFit/>
+          </a:bodyPr>
+          <a:p>
+            <a:r>
+              <a:rPr lang="en-US" altLang="zh-CN"/>
+              <a:t>0.6</a:t>
+            </a:r>
+            <a:endParaRPr lang="en-US" altLang="zh-CN"/>
+          </a:p>
+        </p:txBody>
+      </p:sp>
+      <p:sp>
+        <p:nvSpPr>
+          <p:cNvPr id="21" name="文本框 20"/>
+          <p:cNvSpPr txBox="1"/>
+          <p:nvPr/>
+        </p:nvSpPr>
+        <p:spPr>
+          <a:xfrm>
+            <a:off x="5909945" y="4286885"/>
+            <a:ext cx="516255" cy="368300"/>
+          </a:xfrm>
+          <a:prstGeom prst="rect">
+            <a:avLst/>
+          </a:prstGeom>
+          <a:noFill/>
+        </p:spPr>
+        <p:txBody>
+          <a:bodyPr wrap="square" rtlCol="0">
+            <a:spAutoFit/>
+          </a:bodyPr>
+          <a:p>
+            <a:r>
+              <a:rPr lang="en-US" altLang="zh-CN"/>
+              <a:t>0.9</a:t>
+            </a:r>
+            <a:endParaRPr lang="en-US" altLang="zh-CN"/>
+          </a:p>
+        </p:txBody>
+      </p:sp>
+      <p:sp>
+        <p:nvSpPr>
+          <p:cNvPr id="5" name="文本框 4"/>
+          <p:cNvSpPr txBox="1"/>
+          <p:nvPr/>
+        </p:nvSpPr>
+        <p:spPr>
+          <a:xfrm>
+            <a:off x="2832100" y="4041140"/>
+            <a:ext cx="565785" cy="368300"/>
+          </a:xfrm>
+          <a:prstGeom prst="rect">
+            <a:avLst/>
+          </a:prstGeom>
+          <a:noFill/>
+        </p:spPr>
+        <p:txBody>
+          <a:bodyPr wrap="square" rtlCol="0">
+            <a:spAutoFit/>
+          </a:bodyPr>
+          <a:p>
+            <a:r>
+              <a:rPr lang="en-US" altLang="zh-CN"/>
+              <a:t>(0,0)</a:t>
+            </a:r>
+            <a:endParaRPr lang="en-US" altLang="zh-CN"/>
+          </a:p>
+        </p:txBody>
+      </p:sp>
+      <p:sp>
+        <p:nvSpPr>
+          <p:cNvPr id="9" name="椭圆 8"/>
+          <p:cNvSpPr/>
+          <p:nvPr/>
+        </p:nvSpPr>
+        <p:spPr>
+          <a:xfrm>
+            <a:off x="6346825" y="4133850"/>
+            <a:ext cx="151765" cy="159385"/>
+          </a:xfrm>
+          <a:prstGeom prst="ellipse">
+            <a:avLst/>
+          </a:prstGeom>
+        </p:spPr>
+        <p:style>
+          <a:lnRef idx="2">
+            <a:schemeClr val="accent1">
+              <a:lumMod val="75000"/>
+            </a:schemeClr>
+          </a:lnRef>
+          <a:fillRef idx="1">
+            <a:schemeClr val="accent1"/>
+          </a:fillRef>
+          <a:effectRef idx="0">
+            <a:srgbClr val="FFFFFF"/>
+          </a:effectRef>
+          <a:fontRef idx="minor">
+            <a:schemeClr val="lt1"/>
+          </a:fontRef>
+        </p:style>
+        <p:txBody>
+          <a:bodyPr rtlCol="0" anchor="ctr"/>
+          <a:p>
+            <a:pPr algn="ctr"/>
+            <a:endParaRPr lang="zh-CN" altLang="en-US"/>
+          </a:p>
+        </p:txBody>
+      </p:sp>
+      <p:sp>
+        <p:nvSpPr>
+          <p:cNvPr id="10" name="椭圆 9"/>
+          <p:cNvSpPr/>
+          <p:nvPr/>
+        </p:nvSpPr>
+        <p:spPr>
+          <a:xfrm>
+            <a:off x="6346825" y="1518285"/>
+            <a:ext cx="151765" cy="159385"/>
+          </a:xfrm>
+          <a:prstGeom prst="ellipse">
+            <a:avLst/>
+          </a:prstGeom>
+        </p:spPr>
+        <p:style>
+          <a:lnRef idx="2">
+            <a:schemeClr val="accent1">
+              <a:lumMod val="75000"/>
+            </a:schemeClr>
+          </a:lnRef>
+          <a:fillRef idx="1">
+            <a:schemeClr val="accent1"/>
+          </a:fillRef>
+          <a:effectRef idx="0">
+            <a:srgbClr val="FFFFFF"/>
+          </a:effectRef>
+          <a:fontRef idx="minor">
+            <a:schemeClr val="lt1"/>
+          </a:fontRef>
+        </p:style>
+        <p:txBody>
+          <a:bodyPr rtlCol="0" anchor="ctr"/>
+          <a:p>
+            <a:pPr algn="ctr"/>
+            <a:endParaRPr lang="zh-CN" altLang="en-US"/>
+          </a:p>
+        </p:txBody>
+      </p:sp>
+      <p:sp>
+        <p:nvSpPr>
+          <p:cNvPr id="11" name="椭圆 10"/>
+          <p:cNvSpPr/>
+          <p:nvPr/>
+        </p:nvSpPr>
+        <p:spPr>
+          <a:xfrm>
+            <a:off x="3366770" y="4119245"/>
+            <a:ext cx="151765" cy="159385"/>
+          </a:xfrm>
+          <a:prstGeom prst="ellipse">
+            <a:avLst/>
+          </a:prstGeom>
+        </p:spPr>
+        <p:style>
+          <a:lnRef idx="2">
+            <a:schemeClr val="accent1">
+              <a:lumMod val="75000"/>
+            </a:schemeClr>
+          </a:lnRef>
+          <a:fillRef idx="1">
+            <a:schemeClr val="accent1"/>
+          </a:fillRef>
+          <a:effectRef idx="0">
+            <a:srgbClr val="FFFFFF"/>
+          </a:effectRef>
+          <a:fontRef idx="minor">
+            <a:schemeClr val="lt1"/>
+          </a:fontRef>
+        </p:style>
+        <p:txBody>
+          <a:bodyPr rtlCol="0" anchor="ctr"/>
+          <a:p>
+            <a:pPr algn="ctr"/>
+            <a:endParaRPr lang="zh-CN" altLang="en-US"/>
+          </a:p>
+        </p:txBody>
+      </p:sp>
+      <p:cxnSp>
+        <p:nvCxnSpPr>
+          <p:cNvPr id="49" name="曲线连接符 48"/>
+          <p:cNvCxnSpPr/>
+          <p:nvPr/>
+        </p:nvCxnSpPr>
+        <p:spPr>
+          <a:xfrm rot="16200000">
+            <a:off x="3660140" y="1403985"/>
+            <a:ext cx="2529840" cy="2926080"/>
+          </a:xfrm>
+          <a:prstGeom prst="curvedConnector2">
+            <a:avLst/>
+          </a:prstGeom>
+          <a:ln w="28575" cmpd="sng">
+            <a:solidFill>
+              <a:schemeClr val="accent3"/>
+            </a:solidFill>
+            <a:prstDash val="solid"/>
+          </a:ln>
+        </p:spPr>
+        <p:style>
+          <a:lnRef idx="2">
+            <a:schemeClr val="accent1"/>
+          </a:lnRef>
+          <a:fillRef idx="0">
+            <a:srgbClr val="FFFFFF"/>
+          </a:fillRef>
+          <a:effectRef idx="0">
+            <a:srgbClr val="FFFFFF"/>
+          </a:effectRef>
+          <a:fontRef idx="minor">
+            <a:schemeClr val="tx1"/>
+          </a:fontRef>
+        </p:style>
+      </p:cxnSp>
+      <p:cxnSp>
+        <p:nvCxnSpPr>
+          <p:cNvPr id="50" name="直接连接符 49"/>
+          <p:cNvCxnSpPr>
+            <a:endCxn id="11" idx="7"/>
+          </p:cNvCxnSpPr>
+          <p:nvPr/>
+        </p:nvCxnSpPr>
+        <p:spPr>
+          <a:xfrm flipH="1">
+            <a:off x="3496310" y="1597025"/>
+            <a:ext cx="2980055" cy="2545715"/>
+          </a:xfrm>
+          <a:prstGeom prst="line">
+            <a:avLst/>
+          </a:prstGeom>
+          <a:ln w="22225" cmpd="sng">
+            <a:solidFill>
+              <a:schemeClr val="accent1">
+                <a:shade val="50000"/>
+              </a:schemeClr>
+            </a:solidFill>
+            <a:prstDash val="sysDash"/>
+          </a:ln>
+        </p:spPr>
+        <p:style>
+          <a:lnRef idx="2">
+            <a:schemeClr val="accent1"/>
+          </a:lnRef>
+          <a:fillRef idx="0">
+            <a:srgbClr val="FFFFFF"/>
+          </a:fillRef>
+          <a:effectRef idx="0">
+            <a:srgbClr val="FFFFFF"/>
+          </a:effectRef>
+          <a:fontRef idx="minor">
+            <a:schemeClr val="tx1"/>
+          </a:fontRef>
+        </p:style>
+      </p:cxnSp>
+      <p:cxnSp>
+        <p:nvCxnSpPr>
+          <p:cNvPr id="51" name="直接连接符 50"/>
+          <p:cNvCxnSpPr/>
+          <p:nvPr/>
+        </p:nvCxnSpPr>
+        <p:spPr>
+          <a:xfrm flipV="1">
+            <a:off x="3448050" y="1581150"/>
+            <a:ext cx="2971800" cy="19050"/>
+          </a:xfrm>
+          <a:prstGeom prst="line">
+            <a:avLst/>
+          </a:prstGeom>
+          <a:ln>
+            <a:prstDash val="sysDot"/>
+          </a:ln>
+        </p:spPr>
+        <p:style>
+          <a:lnRef idx="2">
+            <a:schemeClr val="accent1"/>
+          </a:lnRef>
+          <a:fillRef idx="0">
+            <a:srgbClr val="FFFFFF"/>
+          </a:fillRef>
+          <a:effectRef idx="0">
+            <a:srgbClr val="FFFFFF"/>
+          </a:effectRef>
+          <a:fontRef idx="minor">
+            <a:schemeClr val="tx1"/>
+          </a:fontRef>
+        </p:style>
+      </p:cxnSp>
+      <p:cxnSp>
+        <p:nvCxnSpPr>
+          <p:cNvPr id="52" name="直接连接符 51"/>
+          <p:cNvCxnSpPr/>
+          <p:nvPr/>
+        </p:nvCxnSpPr>
+        <p:spPr>
+          <a:xfrm>
+            <a:off x="6438900" y="1644650"/>
+            <a:ext cx="0" cy="2584450"/>
+          </a:xfrm>
+          <a:prstGeom prst="line">
+            <a:avLst/>
+          </a:prstGeom>
+          <a:ln>
+            <a:prstDash val="sysDot"/>
+          </a:ln>
+        </p:spPr>
+        <p:style>
+          <a:lnRef idx="2">
+            <a:schemeClr val="accent1"/>
+          </a:lnRef>
+          <a:fillRef idx="0">
+            <a:srgbClr val="FFFFFF"/>
+          </a:fillRef>
+          <a:effectRef idx="0">
+            <a:srgbClr val="FFFFFF"/>
+          </a:effectRef>
+          <a:fontRef idx="minor">
+            <a:schemeClr val="tx1"/>
+          </a:fontRef>
+        </p:style>
+      </p:cxnSp>
+      <p:sp>
+        <p:nvSpPr>
+          <p:cNvPr id="53" name="文本框 52"/>
+          <p:cNvSpPr txBox="1"/>
+          <p:nvPr/>
+        </p:nvSpPr>
+        <p:spPr>
+          <a:xfrm>
+            <a:off x="3449320" y="4308475"/>
+            <a:ext cx="571500" cy="521970"/>
+          </a:xfrm>
+          <a:prstGeom prst="rect">
+            <a:avLst/>
+          </a:prstGeom>
+          <a:noFill/>
+        </p:spPr>
+        <p:txBody>
+          <a:bodyPr wrap="square" rtlCol="0">
+            <a:spAutoFit/>
+          </a:bodyPr>
+          <a:p>
+            <a:r>
+              <a:rPr lang="en-US" altLang="zh-CN" sz="1400"/>
+              <a:t>TP=0</a:t>
+            </a:r>
+            <a:endParaRPr lang="en-US" altLang="zh-CN" sz="1400"/>
+          </a:p>
+          <a:p>
+            <a:r>
+              <a:rPr lang="en-US" altLang="zh-CN" sz="1400"/>
+              <a:t>FP=0</a:t>
+            </a:r>
+            <a:endParaRPr lang="en-US" altLang="zh-CN" sz="1400"/>
+          </a:p>
+        </p:txBody>
+      </p:sp>
+      <p:sp>
+        <p:nvSpPr>
+          <p:cNvPr id="54" name="文本框 53"/>
+          <p:cNvSpPr txBox="1"/>
+          <p:nvPr/>
+        </p:nvSpPr>
+        <p:spPr>
+          <a:xfrm>
+            <a:off x="6388100" y="4364355"/>
+            <a:ext cx="571500" cy="521970"/>
+          </a:xfrm>
+          <a:prstGeom prst="rect">
+            <a:avLst/>
+          </a:prstGeom>
+          <a:noFill/>
+        </p:spPr>
+        <p:txBody>
+          <a:bodyPr wrap="square" rtlCol="0">
+            <a:spAutoFit/>
+          </a:bodyPr>
+          <a:p>
+            <a:r>
+              <a:rPr lang="en-US" altLang="zh-CN" sz="1400"/>
+              <a:t>TP=0</a:t>
+            </a:r>
+            <a:endParaRPr lang="en-US" altLang="zh-CN" sz="1400"/>
+          </a:p>
+          <a:p>
+            <a:r>
+              <a:rPr lang="en-US" altLang="zh-CN" sz="1400"/>
+              <a:t>TN=0</a:t>
+            </a:r>
+            <a:endParaRPr lang="en-US" altLang="zh-CN" sz="1400"/>
+          </a:p>
+        </p:txBody>
+      </p:sp>
+      <p:sp>
+        <p:nvSpPr>
+          <p:cNvPr id="55" name="椭圆 54"/>
+          <p:cNvSpPr/>
+          <p:nvPr/>
+        </p:nvSpPr>
+        <p:spPr>
+          <a:xfrm>
+            <a:off x="3344545" y="1494790"/>
+            <a:ext cx="151765" cy="159385"/>
+          </a:xfrm>
+          <a:prstGeom prst="ellipse">
+            <a:avLst/>
+          </a:prstGeom>
+        </p:spPr>
+        <p:style>
+          <a:lnRef idx="2">
+            <a:schemeClr val="accent1">
+              <a:lumMod val="75000"/>
+            </a:schemeClr>
+          </a:lnRef>
+          <a:fillRef idx="1">
+            <a:schemeClr val="accent1"/>
+          </a:fillRef>
+          <a:effectRef idx="0">
+            <a:srgbClr val="FFFFFF"/>
+          </a:effectRef>
+          <a:fontRef idx="minor">
+            <a:schemeClr val="lt1"/>
+          </a:fontRef>
+        </p:style>
+        <p:txBody>
+          <a:bodyPr rtlCol="0" anchor="ctr"/>
+          <a:p>
+            <a:pPr algn="ctr"/>
+            <a:endParaRPr lang="zh-CN" altLang="en-US"/>
+          </a:p>
+        </p:txBody>
+      </p:sp>
+      <p:sp>
+        <p:nvSpPr>
+          <p:cNvPr id="56" name="文本框 55"/>
+          <p:cNvSpPr txBox="1"/>
+          <p:nvPr/>
+        </p:nvSpPr>
+        <p:spPr>
+          <a:xfrm>
+            <a:off x="6438900" y="853440"/>
+            <a:ext cx="571500" cy="521970"/>
+          </a:xfrm>
+          <a:prstGeom prst="rect">
+            <a:avLst/>
+          </a:prstGeom>
+          <a:noFill/>
+        </p:spPr>
+        <p:txBody>
+          <a:bodyPr wrap="square" rtlCol="0">
+            <a:spAutoFit/>
+          </a:bodyPr>
+          <a:p>
+            <a:r>
+              <a:rPr lang="en-US" altLang="zh-CN" sz="1400"/>
+              <a:t>FN=0</a:t>
+            </a:r>
+            <a:endParaRPr lang="en-US" altLang="zh-CN" sz="1400"/>
+          </a:p>
+          <a:p>
+            <a:r>
+              <a:rPr lang="en-US" altLang="zh-CN" sz="1400"/>
+              <a:t>TN=0</a:t>
+            </a:r>
+            <a:endParaRPr lang="en-US" altLang="zh-CN" sz="1400"/>
+          </a:p>
+        </p:txBody>
+      </p:sp>
+      <p:sp>
+        <p:nvSpPr>
+          <p:cNvPr id="57" name="文本框 56"/>
+          <p:cNvSpPr txBox="1"/>
+          <p:nvPr/>
+        </p:nvSpPr>
+        <p:spPr>
+          <a:xfrm>
+            <a:off x="3505835" y="1045210"/>
+            <a:ext cx="571500" cy="521970"/>
+          </a:xfrm>
+          <a:prstGeom prst="rect">
+            <a:avLst/>
+          </a:prstGeom>
+          <a:noFill/>
+        </p:spPr>
+        <p:txBody>
+          <a:bodyPr wrap="square" rtlCol="0">
+            <a:spAutoFit/>
+          </a:bodyPr>
+          <a:p>
+            <a:r>
+              <a:rPr lang="en-US" altLang="zh-CN" sz="1400"/>
+              <a:t>FN=0</a:t>
+            </a:r>
+            <a:endParaRPr lang="en-US" altLang="zh-CN" sz="1400"/>
+          </a:p>
+          <a:p>
+            <a:r>
+              <a:rPr lang="en-US" altLang="zh-CN" sz="1400"/>
+              <a:t>FP=0</a:t>
+            </a:r>
+            <a:endParaRPr lang="en-US" altLang="zh-CN" sz="1400"/>
+          </a:p>
+        </p:txBody>
+      </p:sp>
+      <p:sp>
+        <p:nvSpPr>
+          <p:cNvPr id="58" name="文本框 57"/>
+          <p:cNvSpPr txBox="1"/>
+          <p:nvPr/>
+        </p:nvSpPr>
+        <p:spPr>
+          <a:xfrm>
+            <a:off x="6574790" y="3774440"/>
+            <a:ext cx="565785" cy="368300"/>
+          </a:xfrm>
+          <a:prstGeom prst="rect">
+            <a:avLst/>
+          </a:prstGeom>
+          <a:noFill/>
+        </p:spPr>
+        <p:txBody>
+          <a:bodyPr wrap="square" rtlCol="0">
+            <a:spAutoFit/>
+          </a:bodyPr>
+          <a:p>
+            <a:r>
+              <a:rPr lang="en-US" altLang="zh-CN"/>
+              <a:t>(1,0)</a:t>
+            </a:r>
+            <a:endParaRPr lang="en-US" altLang="zh-CN"/>
+          </a:p>
+        </p:txBody>
+      </p:sp>
+      <p:sp>
+        <p:nvSpPr>
+          <p:cNvPr id="59" name="文本框 58"/>
+          <p:cNvSpPr txBox="1"/>
+          <p:nvPr/>
+        </p:nvSpPr>
+        <p:spPr>
+          <a:xfrm>
+            <a:off x="2698750" y="1078865"/>
+            <a:ext cx="565785" cy="368300"/>
+          </a:xfrm>
+          <a:prstGeom prst="rect">
+            <a:avLst/>
+          </a:prstGeom>
+          <a:noFill/>
+        </p:spPr>
+        <p:txBody>
+          <a:bodyPr wrap="square" rtlCol="0">
+            <a:spAutoFit/>
+          </a:bodyPr>
+          <a:p>
+            <a:r>
+              <a:rPr lang="en-US" altLang="zh-CN"/>
+              <a:t>(0,1)</a:t>
+            </a:r>
+            <a:endParaRPr lang="en-US" altLang="zh-CN"/>
+          </a:p>
+        </p:txBody>
+      </p:sp>
+      <p:sp>
+        <p:nvSpPr>
+          <p:cNvPr id="60" name="文本框 59"/>
+          <p:cNvSpPr txBox="1"/>
+          <p:nvPr/>
+        </p:nvSpPr>
+        <p:spPr>
+          <a:xfrm>
+            <a:off x="6604635" y="1392555"/>
+            <a:ext cx="565785" cy="368300"/>
+          </a:xfrm>
+          <a:prstGeom prst="rect">
+            <a:avLst/>
+          </a:prstGeom>
+          <a:noFill/>
+        </p:spPr>
+        <p:txBody>
+          <a:bodyPr wrap="square" rtlCol="0">
+            <a:spAutoFit/>
+          </a:bodyPr>
+          <a:p>
+            <a:r>
+              <a:rPr lang="en-US" altLang="zh-CN"/>
+              <a:t>(1,1)</a:t>
+            </a:r>
+            <a:endParaRPr lang="en-US" altLang="zh-CN"/>
+          </a:p>
+        </p:txBody>
+      </p:sp>
+    </p:spTree>
+  </p:cSld>
+  <p:clrMapOvr>
+    <a:masterClrMapping/>
+  </p:clrMapOvr>
+</p:sld>
+</file>
+
 <file path=ppt/slides/slide2.xml><?xml version="1.0" encoding="utf-8"?>
 <p:sld xmlns:a="http://schemas.openxmlformats.org/drawingml/2006/main" xmlns:r="http://schemas.openxmlformats.org/officeDocument/2006/relationships" xmlns:p="http://schemas.openxmlformats.org/presentationml/2006/main">
   <p:cSld>
@@ -11484,7 +12454,7 @@
                       </a:pPr>
                       <a:r>
                         <a:rPr lang="en-US" altLang="zh-CN"/>
-                        <a:t>5</a:t>
+                        <a:t>4</a:t>
                       </a:r>
                       <a:endParaRPr lang="en-US" altLang="zh-CN"/>
                     </a:p>
@@ -11602,7 +12572,7 @@
                       </a:pPr>
                       <a:r>
                         <a:rPr lang="en-US" altLang="zh-CN"/>
-                        <a:t>5</a:t>
+                        <a:t>4</a:t>
                       </a:r>
                       <a:endParaRPr lang="en-US" altLang="zh-CN"/>
                     </a:p>
@@ -11720,7 +12690,7 @@
                       </a:pPr>
                       <a:r>
                         <a:rPr lang="en-US" altLang="zh-CN"/>
-                        <a:t>5</a:t>
+                        <a:t>4</a:t>
                       </a:r>
                       <a:endParaRPr lang="en-US" altLang="zh-CN"/>
                     </a:p>
@@ -14258,438 +15228,16 @@
         <p:nvPr/>
       </p:nvGrpSpPr>
       <p:grpSpPr/>
-      <p:cxnSp>
-        <p:nvCxnSpPr>
-          <p:cNvPr id="2" name="直接箭头连接符 1"/>
-          <p:cNvCxnSpPr/>
-          <p:nvPr/>
-        </p:nvCxnSpPr>
-        <p:spPr>
-          <a:xfrm>
-            <a:off x="3449320" y="4216400"/>
-            <a:ext cx="4079875" cy="18415"/>
-          </a:xfrm>
-          <a:prstGeom prst="straightConnector1">
-            <a:avLst/>
-          </a:prstGeom>
-          <a:ln w="31750" cap="rnd">
-            <a:solidFill>
-              <a:schemeClr val="accent1"/>
-            </a:solidFill>
-            <a:round/>
-            <a:tailEnd type="arrow" w="med" len="med"/>
-          </a:ln>
-        </p:spPr>
-        <p:style>
-          <a:lnRef idx="0">
-            <a:srgbClr val="FFFFFF"/>
-          </a:lnRef>
-          <a:fillRef idx="0">
-            <a:srgbClr val="FFFFFF"/>
-          </a:fillRef>
-          <a:effectRef idx="0">
-            <a:srgbClr val="FFFFFF"/>
-          </a:effectRef>
-          <a:fontRef idx="minor">
-            <a:schemeClr val="tx1"/>
-          </a:fontRef>
-        </p:style>
-      </p:cxnSp>
-      <p:cxnSp>
-        <p:nvCxnSpPr>
-          <p:cNvPr id="3" name="直接箭头连接符 2"/>
-          <p:cNvCxnSpPr/>
-          <p:nvPr/>
-        </p:nvCxnSpPr>
-        <p:spPr>
-          <a:xfrm flipH="1" flipV="1">
-            <a:off x="3415665" y="1059815"/>
-            <a:ext cx="27305" cy="3156585"/>
-          </a:xfrm>
-          <a:prstGeom prst="straightConnector1">
-            <a:avLst/>
-          </a:prstGeom>
-          <a:ln w="31750" cap="rnd">
-            <a:solidFill>
-              <a:schemeClr val="accent1"/>
-            </a:solidFill>
-            <a:round/>
-            <a:tailEnd type="arrow" w="med" len="med"/>
-          </a:ln>
-        </p:spPr>
-        <p:style>
-          <a:lnRef idx="0">
-            <a:srgbClr val="FFFFFF"/>
-          </a:lnRef>
-          <a:fillRef idx="0">
-            <a:srgbClr val="FFFFFF"/>
-          </a:fillRef>
-          <a:effectRef idx="0">
-            <a:srgbClr val="FFFFFF"/>
-          </a:effectRef>
-          <a:fontRef idx="minor">
-            <a:schemeClr val="tx1"/>
-          </a:fontRef>
-        </p:style>
-      </p:cxnSp>
       <p:sp>
         <p:nvSpPr>
-          <p:cNvPr id="4" name="文本框 3"/>
-          <p:cNvSpPr txBox="1"/>
-          <p:nvPr/>
-        </p:nvSpPr>
-        <p:spPr>
-          <a:xfrm>
-            <a:off x="3094990" y="618490"/>
-            <a:ext cx="850265" cy="460375"/>
-          </a:xfrm>
-          <a:prstGeom prst="rect">
-            <a:avLst/>
-          </a:prstGeom>
-          <a:noFill/>
-        </p:spPr>
-        <p:txBody>
-          <a:bodyPr wrap="square" rtlCol="0">
-            <a:spAutoFit/>
-          </a:bodyPr>
-          <a:p>
-            <a:r>
-              <a:rPr lang="en-US" altLang="zh-CN" sz="2400" b="1"/>
-              <a:t>TPR</a:t>
-            </a:r>
-            <a:endParaRPr lang="en-US" altLang="zh-CN" sz="2400" b="1"/>
-          </a:p>
-        </p:txBody>
-      </p:sp>
-      <p:sp>
-        <p:nvSpPr>
-          <p:cNvPr id="6" name="文本框 5"/>
-          <p:cNvSpPr txBox="1"/>
-          <p:nvPr/>
-        </p:nvSpPr>
-        <p:spPr>
-          <a:xfrm>
-            <a:off x="7660640" y="4041140"/>
-            <a:ext cx="752475" cy="455930"/>
-          </a:xfrm>
-          <a:prstGeom prst="rect">
-            <a:avLst/>
-          </a:prstGeom>
-          <a:noFill/>
-        </p:spPr>
-        <p:txBody>
-          <a:bodyPr wrap="square" rtlCol="0">
-            <a:noAutofit/>
-          </a:bodyPr>
-          <a:p>
-            <a:r>
-              <a:rPr lang="en-US" altLang="zh-CN" sz="2400" b="1"/>
-              <a:t>FPR</a:t>
-            </a:r>
-            <a:endParaRPr lang="en-US" altLang="zh-CN" sz="2400" b="1"/>
-          </a:p>
-        </p:txBody>
-      </p:sp>
-      <p:sp>
-        <p:nvSpPr>
-          <p:cNvPr id="13" name="文本框 12"/>
-          <p:cNvSpPr txBox="1"/>
-          <p:nvPr/>
-        </p:nvSpPr>
-        <p:spPr>
-          <a:xfrm>
-            <a:off x="2834640" y="2957830"/>
-            <a:ext cx="541020" cy="368300"/>
-          </a:xfrm>
-          <a:prstGeom prst="rect">
-            <a:avLst/>
-          </a:prstGeom>
-          <a:noFill/>
-        </p:spPr>
-        <p:txBody>
-          <a:bodyPr wrap="square" rtlCol="0">
-            <a:spAutoFit/>
-          </a:bodyPr>
-          <a:p>
-            <a:r>
-              <a:rPr lang="en-US" altLang="zh-CN"/>
-              <a:t>0.5</a:t>
-            </a:r>
-            <a:endParaRPr lang="en-US" altLang="zh-CN"/>
-          </a:p>
-        </p:txBody>
-      </p:sp>
-      <p:sp>
-        <p:nvSpPr>
-          <p:cNvPr id="14" name="文本框 13"/>
-          <p:cNvSpPr txBox="1"/>
-          <p:nvPr/>
-        </p:nvSpPr>
-        <p:spPr>
-          <a:xfrm>
-            <a:off x="2828925" y="2644775"/>
-            <a:ext cx="541020" cy="368300"/>
-          </a:xfrm>
-          <a:prstGeom prst="rect">
-            <a:avLst/>
-          </a:prstGeom>
-          <a:noFill/>
-        </p:spPr>
-        <p:txBody>
-          <a:bodyPr wrap="square" rtlCol="0">
-            <a:spAutoFit/>
-          </a:bodyPr>
-          <a:p>
-            <a:r>
-              <a:rPr lang="en-US" altLang="zh-CN"/>
-              <a:t>0.6</a:t>
-            </a:r>
-            <a:endParaRPr lang="en-US" altLang="zh-CN"/>
-          </a:p>
-        </p:txBody>
-      </p:sp>
-      <p:sp>
-        <p:nvSpPr>
-          <p:cNvPr id="15" name="文本框 14"/>
-          <p:cNvSpPr txBox="1"/>
-          <p:nvPr/>
-        </p:nvSpPr>
-        <p:spPr>
-          <a:xfrm>
-            <a:off x="2830195" y="2338705"/>
-            <a:ext cx="541020" cy="368300"/>
-          </a:xfrm>
-          <a:prstGeom prst="rect">
-            <a:avLst/>
-          </a:prstGeom>
-          <a:noFill/>
-        </p:spPr>
-        <p:txBody>
-          <a:bodyPr wrap="square" rtlCol="0">
-            <a:spAutoFit/>
-          </a:bodyPr>
-          <a:p>
-            <a:r>
-              <a:rPr lang="en-US" altLang="zh-CN"/>
-              <a:t>0.7</a:t>
-            </a:r>
-            <a:endParaRPr lang="en-US" altLang="zh-CN"/>
-          </a:p>
-        </p:txBody>
-      </p:sp>
-      <p:sp>
-        <p:nvSpPr>
-          <p:cNvPr id="16" name="文本框 15"/>
-          <p:cNvSpPr txBox="1"/>
-          <p:nvPr/>
-        </p:nvSpPr>
-        <p:spPr>
-          <a:xfrm>
-            <a:off x="2831465" y="1990725"/>
-            <a:ext cx="541020" cy="368300"/>
-          </a:xfrm>
-          <a:prstGeom prst="rect">
-            <a:avLst/>
-          </a:prstGeom>
-          <a:noFill/>
-        </p:spPr>
-        <p:txBody>
-          <a:bodyPr wrap="square" rtlCol="0">
-            <a:spAutoFit/>
-          </a:bodyPr>
-          <a:p>
-            <a:r>
-              <a:rPr lang="en-US" altLang="zh-CN"/>
-              <a:t>0.8</a:t>
-            </a:r>
-            <a:endParaRPr lang="en-US" altLang="zh-CN"/>
-          </a:p>
-        </p:txBody>
-      </p:sp>
-      <p:sp>
-        <p:nvSpPr>
-          <p:cNvPr id="17" name="文本框 16"/>
-          <p:cNvSpPr txBox="1"/>
-          <p:nvPr/>
-        </p:nvSpPr>
-        <p:spPr>
-          <a:xfrm>
-            <a:off x="2825750" y="1677670"/>
-            <a:ext cx="541020" cy="368300"/>
-          </a:xfrm>
-          <a:prstGeom prst="rect">
-            <a:avLst/>
-          </a:prstGeom>
-          <a:noFill/>
-        </p:spPr>
-        <p:txBody>
-          <a:bodyPr wrap="square" rtlCol="0">
-            <a:spAutoFit/>
-          </a:bodyPr>
-          <a:p>
-            <a:r>
-              <a:rPr lang="en-US" altLang="zh-CN"/>
-              <a:t>0.9</a:t>
-            </a:r>
-            <a:endParaRPr lang="en-US" altLang="zh-CN"/>
-          </a:p>
-        </p:txBody>
-      </p:sp>
-      <p:sp>
-        <p:nvSpPr>
-          <p:cNvPr id="18" name="文本框 17"/>
-          <p:cNvSpPr txBox="1"/>
-          <p:nvPr/>
-        </p:nvSpPr>
-        <p:spPr>
-          <a:xfrm>
-            <a:off x="2827020" y="1392555"/>
-            <a:ext cx="541020" cy="368300"/>
-          </a:xfrm>
-          <a:prstGeom prst="rect">
-            <a:avLst/>
-          </a:prstGeom>
-          <a:noFill/>
-        </p:spPr>
-        <p:txBody>
-          <a:bodyPr wrap="square" rtlCol="0">
-            <a:spAutoFit/>
-          </a:bodyPr>
-          <a:p>
-            <a:r>
-              <a:rPr lang="en-US" altLang="zh-CN"/>
-              <a:t>1.0</a:t>
-            </a:r>
-            <a:endParaRPr lang="en-US" altLang="zh-CN"/>
-          </a:p>
-        </p:txBody>
-      </p:sp>
-      <p:sp>
-        <p:nvSpPr>
-          <p:cNvPr id="19" name="文本框 18"/>
-          <p:cNvSpPr txBox="1"/>
-          <p:nvPr/>
-        </p:nvSpPr>
-        <p:spPr>
-          <a:xfrm>
-            <a:off x="4088130" y="4280535"/>
-            <a:ext cx="508635" cy="368300"/>
-          </a:xfrm>
-          <a:prstGeom prst="rect">
-            <a:avLst/>
-          </a:prstGeom>
-          <a:noFill/>
-        </p:spPr>
-        <p:txBody>
-          <a:bodyPr wrap="square" rtlCol="0">
-            <a:spAutoFit/>
-          </a:bodyPr>
-          <a:p>
-            <a:r>
-              <a:rPr lang="en-US" altLang="zh-CN"/>
-              <a:t>0.3</a:t>
-            </a:r>
-            <a:endParaRPr lang="en-US" altLang="zh-CN"/>
-          </a:p>
-        </p:txBody>
-      </p:sp>
-      <p:sp>
-        <p:nvSpPr>
-          <p:cNvPr id="20" name="文本框 19"/>
-          <p:cNvSpPr txBox="1"/>
-          <p:nvPr/>
-        </p:nvSpPr>
-        <p:spPr>
-          <a:xfrm>
-            <a:off x="5000625" y="4278630"/>
-            <a:ext cx="516255" cy="368300"/>
-          </a:xfrm>
-          <a:prstGeom prst="rect">
-            <a:avLst/>
-          </a:prstGeom>
-          <a:noFill/>
-        </p:spPr>
-        <p:txBody>
-          <a:bodyPr wrap="square" rtlCol="0">
-            <a:spAutoFit/>
-          </a:bodyPr>
-          <a:p>
-            <a:r>
-              <a:rPr lang="en-US" altLang="zh-CN"/>
-              <a:t>0.6</a:t>
-            </a:r>
-            <a:endParaRPr lang="en-US" altLang="zh-CN"/>
-          </a:p>
-        </p:txBody>
-      </p:sp>
-      <p:sp>
-        <p:nvSpPr>
-          <p:cNvPr id="21" name="文本框 20"/>
-          <p:cNvSpPr txBox="1"/>
-          <p:nvPr/>
-        </p:nvSpPr>
-        <p:spPr>
-          <a:xfrm>
-            <a:off x="5909945" y="4286885"/>
-            <a:ext cx="516255" cy="368300"/>
-          </a:xfrm>
-          <a:prstGeom prst="rect">
-            <a:avLst/>
-          </a:prstGeom>
-          <a:noFill/>
-        </p:spPr>
-        <p:txBody>
-          <a:bodyPr wrap="square" rtlCol="0">
-            <a:spAutoFit/>
-          </a:bodyPr>
-          <a:p>
-            <a:r>
-              <a:rPr lang="en-US" altLang="zh-CN"/>
-              <a:t>0.9</a:t>
-            </a:r>
-            <a:endParaRPr lang="en-US" altLang="zh-CN"/>
-          </a:p>
-        </p:txBody>
-      </p:sp>
-      <p:sp>
-        <p:nvSpPr>
-          <p:cNvPr id="5" name="文本框 4"/>
-          <p:cNvSpPr txBox="1"/>
-          <p:nvPr/>
-        </p:nvSpPr>
-        <p:spPr>
-          <a:xfrm>
-            <a:off x="2832100" y="4041140"/>
-            <a:ext cx="565785" cy="368300"/>
-          </a:xfrm>
-          <a:prstGeom prst="rect">
-            <a:avLst/>
-          </a:prstGeom>
-          <a:noFill/>
-        </p:spPr>
-        <p:txBody>
-          <a:bodyPr wrap="square" rtlCol="0">
-            <a:spAutoFit/>
-          </a:bodyPr>
-          <a:p>
-            <a:r>
-              <a:rPr lang="en-US" altLang="zh-CN"/>
-              <a:t>(0,0)</a:t>
-            </a:r>
-            <a:endParaRPr lang="en-US" altLang="zh-CN"/>
-          </a:p>
-        </p:txBody>
-      </p:sp>
-      <p:sp>
-        <p:nvSpPr>
-          <p:cNvPr id="9" name="椭圆 8"/>
+          <p:cNvPr id="22" name="椭圆 21"/>
           <p:cNvSpPr/>
           <p:nvPr/>
         </p:nvSpPr>
         <p:spPr>
           <a:xfrm>
-            <a:off x="6346825" y="4133850"/>
-            <a:ext cx="151765" cy="159385"/>
+            <a:off x="1279525" y="2002155"/>
+            <a:ext cx="75565" cy="75565"/>
           </a:xfrm>
           <a:prstGeom prst="ellipse">
             <a:avLst/>
@@ -14719,496 +15267,1010 @@
           </a:p>
         </p:txBody>
       </p:sp>
-      <p:sp>
-        <p:nvSpPr>
-          <p:cNvPr id="10" name="椭圆 9"/>
-          <p:cNvSpPr/>
+      <p:grpSp>
+        <p:nvGrpSpPr>
+          <p:cNvPr id="42" name="组合 41"/>
+          <p:cNvGrpSpPr/>
           <p:nvPr/>
-        </p:nvSpPr>
-        <p:spPr>
+        </p:nvGrpSpPr>
+        <p:grpSpPr>
           <a:xfrm>
-            <a:off x="6346825" y="1518285"/>
-            <a:ext cx="151765" cy="159385"/>
+            <a:off x="3168650" y="525780"/>
+            <a:ext cx="5358765" cy="3989705"/>
+            <a:chOff x="4990" y="828"/>
+            <a:chExt cx="8439" cy="6283"/>
           </a:xfrm>
-          <a:prstGeom prst="ellipse">
-            <a:avLst/>
-          </a:prstGeom>
-        </p:spPr>
-        <p:style>
-          <a:lnRef idx="2">
-            <a:schemeClr val="accent1">
-              <a:lumMod val="75000"/>
-            </a:schemeClr>
-          </a:lnRef>
-          <a:fillRef idx="1">
-            <a:schemeClr val="accent1"/>
-          </a:fillRef>
-          <a:effectRef idx="0">
-            <a:srgbClr val="FFFFFF"/>
-          </a:effectRef>
-          <a:fontRef idx="minor">
-            <a:schemeClr val="lt1"/>
-          </a:fontRef>
-        </p:style>
-        <p:txBody>
-          <a:bodyPr rtlCol="0" anchor="ctr"/>
-          <a:p>
-            <a:pPr algn="ctr"/>
-            <a:endParaRPr lang="zh-CN" altLang="en-US"/>
-          </a:p>
-        </p:txBody>
-      </p:sp>
-      <p:sp>
-        <p:nvSpPr>
-          <p:cNvPr id="11" name="椭圆 10"/>
-          <p:cNvSpPr/>
-          <p:nvPr/>
-        </p:nvSpPr>
-        <p:spPr>
-          <a:xfrm>
-            <a:off x="3366770" y="4119245"/>
-            <a:ext cx="151765" cy="159385"/>
-          </a:xfrm>
-          <a:prstGeom prst="ellipse">
-            <a:avLst/>
-          </a:prstGeom>
-        </p:spPr>
-        <p:style>
-          <a:lnRef idx="2">
-            <a:schemeClr val="accent1">
-              <a:lumMod val="75000"/>
-            </a:schemeClr>
-          </a:lnRef>
-          <a:fillRef idx="1">
-            <a:schemeClr val="accent1"/>
-          </a:fillRef>
-          <a:effectRef idx="0">
-            <a:srgbClr val="FFFFFF"/>
-          </a:effectRef>
-          <a:fontRef idx="minor">
-            <a:schemeClr val="lt1"/>
-          </a:fontRef>
-        </p:style>
-        <p:txBody>
-          <a:bodyPr rtlCol="0" anchor="ctr"/>
-          <a:p>
-            <a:pPr algn="ctr"/>
-            <a:endParaRPr lang="zh-CN" altLang="en-US"/>
-          </a:p>
-        </p:txBody>
-      </p:sp>
-      <p:cxnSp>
-        <p:nvCxnSpPr>
-          <p:cNvPr id="49" name="曲线连接符 48"/>
-          <p:cNvCxnSpPr/>
-          <p:nvPr/>
-        </p:nvCxnSpPr>
-        <p:spPr>
-          <a:xfrm rot="16200000">
-            <a:off x="3660140" y="1403985"/>
-            <a:ext cx="2529840" cy="2926080"/>
-          </a:xfrm>
-          <a:prstGeom prst="curvedConnector2">
-            <a:avLst/>
-          </a:prstGeom>
-          <a:ln w="28575" cmpd="sng">
-            <a:solidFill>
-              <a:schemeClr val="accent3"/>
-            </a:solidFill>
-            <a:prstDash val="solid"/>
-          </a:ln>
-        </p:spPr>
-        <p:style>
-          <a:lnRef idx="2">
-            <a:schemeClr val="accent1"/>
-          </a:lnRef>
-          <a:fillRef idx="0">
-            <a:srgbClr val="FFFFFF"/>
-          </a:fillRef>
-          <a:effectRef idx="0">
-            <a:srgbClr val="FFFFFF"/>
-          </a:effectRef>
-          <a:fontRef idx="minor">
-            <a:schemeClr val="tx1"/>
-          </a:fontRef>
-        </p:style>
-      </p:cxnSp>
-      <p:cxnSp>
-        <p:nvCxnSpPr>
-          <p:cNvPr id="50" name="直接连接符 49"/>
-          <p:cNvCxnSpPr>
-            <a:endCxn id="11" idx="7"/>
-          </p:cNvCxnSpPr>
-          <p:nvPr/>
-        </p:nvCxnSpPr>
-        <p:spPr>
-          <a:xfrm flipH="1">
-            <a:off x="3496310" y="1597025"/>
-            <a:ext cx="2980055" cy="2545715"/>
-          </a:xfrm>
-          <a:prstGeom prst="line">
-            <a:avLst/>
-          </a:prstGeom>
-          <a:ln w="22225" cmpd="sng">
-            <a:solidFill>
+        </p:grpSpPr>
+        <p:cxnSp>
+          <p:nvCxnSpPr>
+            <p:cNvPr id="2" name="直接箭头连接符 1"/>
+            <p:cNvCxnSpPr/>
+            <p:nvPr/>
+          </p:nvCxnSpPr>
+          <p:spPr>
+            <a:xfrm>
+              <a:off x="5972" y="6420"/>
+              <a:ext cx="6425" cy="29"/>
+            </a:xfrm>
+            <a:prstGeom prst="straightConnector1">
+              <a:avLst/>
+            </a:prstGeom>
+            <a:ln w="31750" cap="rnd">
+              <a:solidFill>
+                <a:schemeClr val="accent1"/>
+              </a:solidFill>
+              <a:round/>
+              <a:tailEnd type="arrow" w="med" len="med"/>
+            </a:ln>
+          </p:spPr>
+          <p:style>
+            <a:lnRef idx="0">
+              <a:srgbClr val="FFFFFF"/>
+            </a:lnRef>
+            <a:fillRef idx="0">
+              <a:srgbClr val="FFFFFF"/>
+            </a:fillRef>
+            <a:effectRef idx="0">
+              <a:srgbClr val="FFFFFF"/>
+            </a:effectRef>
+            <a:fontRef idx="minor">
+              <a:schemeClr val="tx1"/>
+            </a:fontRef>
+          </p:style>
+        </p:cxnSp>
+        <p:cxnSp>
+          <p:nvCxnSpPr>
+            <p:cNvPr id="3" name="直接箭头连接符 2"/>
+            <p:cNvCxnSpPr/>
+            <p:nvPr/>
+          </p:nvCxnSpPr>
+          <p:spPr>
+            <a:xfrm flipH="1" flipV="1">
+              <a:off x="5919" y="1449"/>
+              <a:ext cx="43" cy="4971"/>
+            </a:xfrm>
+            <a:prstGeom prst="straightConnector1">
+              <a:avLst/>
+            </a:prstGeom>
+            <a:ln w="31750" cap="rnd">
+              <a:solidFill>
+                <a:schemeClr val="accent1"/>
+              </a:solidFill>
+              <a:round/>
+              <a:tailEnd type="arrow" w="med" len="med"/>
+            </a:ln>
+          </p:spPr>
+          <p:style>
+            <a:lnRef idx="0">
+              <a:srgbClr val="FFFFFF"/>
+            </a:lnRef>
+            <a:fillRef idx="0">
+              <a:srgbClr val="FFFFFF"/>
+            </a:fillRef>
+            <a:effectRef idx="0">
+              <a:srgbClr val="FFFFFF"/>
+            </a:effectRef>
+            <a:fontRef idx="minor">
+              <a:schemeClr val="tx1"/>
+            </a:fontRef>
+          </p:style>
+        </p:cxnSp>
+        <p:sp>
+          <p:nvSpPr>
+            <p:cNvPr id="4" name="文本框 3"/>
+            <p:cNvSpPr txBox="1"/>
+            <p:nvPr/>
+          </p:nvSpPr>
+          <p:spPr>
+            <a:xfrm>
+              <a:off x="5214" y="828"/>
+              <a:ext cx="449" cy="725"/>
+            </a:xfrm>
+            <a:prstGeom prst="rect">
+              <a:avLst/>
+            </a:prstGeom>
+            <a:noFill/>
+          </p:spPr>
+          <p:txBody>
+            <a:bodyPr wrap="square" rtlCol="0">
+              <a:spAutoFit/>
+            </a:bodyPr>
+            <a:p>
+              <a:r>
+                <a:rPr lang="en-US" altLang="zh-CN" sz="2400" b="1"/>
+                <a:t>P</a:t>
+              </a:r>
+              <a:endParaRPr lang="en-US" altLang="zh-CN" sz="2400" b="1"/>
+            </a:p>
+          </p:txBody>
+        </p:sp>
+        <p:sp>
+          <p:nvSpPr>
+            <p:cNvPr id="6" name="文本框 5"/>
+            <p:cNvSpPr txBox="1"/>
+            <p:nvPr/>
+          </p:nvSpPr>
+          <p:spPr>
+            <a:xfrm>
+              <a:off x="12604" y="6144"/>
+              <a:ext cx="825" cy="718"/>
+            </a:xfrm>
+            <a:prstGeom prst="rect">
+              <a:avLst/>
+            </a:prstGeom>
+            <a:noFill/>
+          </p:spPr>
+          <p:txBody>
+            <a:bodyPr wrap="square" rtlCol="0">
+              <a:noAutofit/>
+            </a:bodyPr>
+            <a:p>
+              <a:r>
+                <a:rPr lang="en-US" altLang="zh-CN" sz="2400" b="1"/>
+                <a:t>R</a:t>
+              </a:r>
+              <a:endParaRPr lang="en-US" altLang="zh-CN" sz="2400" b="1"/>
+            </a:p>
+          </p:txBody>
+        </p:sp>
+        <p:sp>
+          <p:nvSpPr>
+            <p:cNvPr id="12" name="文本框 11"/>
+            <p:cNvSpPr txBox="1"/>
+            <p:nvPr/>
+          </p:nvSpPr>
+          <p:spPr>
+            <a:xfrm>
+              <a:off x="5215" y="6208"/>
+              <a:ext cx="641" cy="580"/>
+            </a:xfrm>
+            <a:prstGeom prst="rect">
+              <a:avLst/>
+            </a:prstGeom>
+            <a:noFill/>
+          </p:spPr>
+          <p:txBody>
+            <a:bodyPr wrap="square" rtlCol="0">
+              <a:spAutoFit/>
+            </a:bodyPr>
+            <a:p>
+              <a:r>
+                <a:rPr lang="en-US" altLang="zh-CN"/>
+                <a:t>0</a:t>
+              </a:r>
+              <a:endParaRPr lang="en-US" altLang="zh-CN"/>
+            </a:p>
+          </p:txBody>
+        </p:sp>
+        <p:sp>
+          <p:nvSpPr>
+            <p:cNvPr id="13" name="文本框 12"/>
+            <p:cNvSpPr txBox="1"/>
+            <p:nvPr/>
+          </p:nvSpPr>
+          <p:spPr>
+            <a:xfrm>
+              <a:off x="5004" y="4438"/>
+              <a:ext cx="852" cy="580"/>
+            </a:xfrm>
+            <a:prstGeom prst="rect">
+              <a:avLst/>
+            </a:prstGeom>
+            <a:noFill/>
+          </p:spPr>
+          <p:txBody>
+            <a:bodyPr wrap="square" rtlCol="0">
+              <a:spAutoFit/>
+            </a:bodyPr>
+            <a:p>
+              <a:r>
+                <a:rPr lang="en-US" altLang="zh-CN"/>
+                <a:t>0.5</a:t>
+              </a:r>
+              <a:endParaRPr lang="en-US" altLang="zh-CN"/>
+            </a:p>
+          </p:txBody>
+        </p:sp>
+        <p:sp>
+          <p:nvSpPr>
+            <p:cNvPr id="14" name="文本框 13"/>
+            <p:cNvSpPr txBox="1"/>
+            <p:nvPr/>
+          </p:nvSpPr>
+          <p:spPr>
+            <a:xfrm>
+              <a:off x="4995" y="3945"/>
+              <a:ext cx="852" cy="580"/>
+            </a:xfrm>
+            <a:prstGeom prst="rect">
+              <a:avLst/>
+            </a:prstGeom>
+            <a:noFill/>
+          </p:spPr>
+          <p:txBody>
+            <a:bodyPr wrap="square" rtlCol="0">
+              <a:spAutoFit/>
+            </a:bodyPr>
+            <a:p>
+              <a:r>
+                <a:rPr lang="en-US" altLang="zh-CN"/>
+                <a:t>0.6</a:t>
+              </a:r>
+              <a:endParaRPr lang="en-US" altLang="zh-CN"/>
+            </a:p>
+          </p:txBody>
+        </p:sp>
+        <p:sp>
+          <p:nvSpPr>
+            <p:cNvPr id="15" name="文本框 14"/>
+            <p:cNvSpPr txBox="1"/>
+            <p:nvPr/>
+          </p:nvSpPr>
+          <p:spPr>
+            <a:xfrm>
+              <a:off x="4997" y="3463"/>
+              <a:ext cx="852" cy="580"/>
+            </a:xfrm>
+            <a:prstGeom prst="rect">
+              <a:avLst/>
+            </a:prstGeom>
+            <a:noFill/>
+          </p:spPr>
+          <p:txBody>
+            <a:bodyPr wrap="square" rtlCol="0">
+              <a:spAutoFit/>
+            </a:bodyPr>
+            <a:p>
+              <a:r>
+                <a:rPr lang="en-US" altLang="zh-CN"/>
+                <a:t>0.7</a:t>
+              </a:r>
+              <a:endParaRPr lang="en-US" altLang="zh-CN"/>
+            </a:p>
+          </p:txBody>
+        </p:sp>
+        <p:sp>
+          <p:nvSpPr>
+            <p:cNvPr id="16" name="文本框 15"/>
+            <p:cNvSpPr txBox="1"/>
+            <p:nvPr/>
+          </p:nvSpPr>
+          <p:spPr>
+            <a:xfrm>
+              <a:off x="4999" y="2915"/>
+              <a:ext cx="852" cy="580"/>
+            </a:xfrm>
+            <a:prstGeom prst="rect">
+              <a:avLst/>
+            </a:prstGeom>
+            <a:noFill/>
+          </p:spPr>
+          <p:txBody>
+            <a:bodyPr wrap="square" rtlCol="0">
+              <a:spAutoFit/>
+            </a:bodyPr>
+            <a:p>
+              <a:r>
+                <a:rPr lang="en-US" altLang="zh-CN"/>
+                <a:t>0.8</a:t>
+              </a:r>
+              <a:endParaRPr lang="en-US" altLang="zh-CN"/>
+            </a:p>
+          </p:txBody>
+        </p:sp>
+        <p:sp>
+          <p:nvSpPr>
+            <p:cNvPr id="17" name="文本框 16"/>
+            <p:cNvSpPr txBox="1"/>
+            <p:nvPr/>
+          </p:nvSpPr>
+          <p:spPr>
+            <a:xfrm>
+              <a:off x="4990" y="2422"/>
+              <a:ext cx="852" cy="580"/>
+            </a:xfrm>
+            <a:prstGeom prst="rect">
+              <a:avLst/>
+            </a:prstGeom>
+            <a:noFill/>
+          </p:spPr>
+          <p:txBody>
+            <a:bodyPr wrap="square" rtlCol="0">
+              <a:spAutoFit/>
+            </a:bodyPr>
+            <a:p>
+              <a:r>
+                <a:rPr lang="en-US" altLang="zh-CN"/>
+                <a:t>0.9</a:t>
+              </a:r>
+              <a:endParaRPr lang="en-US" altLang="zh-CN"/>
+            </a:p>
+          </p:txBody>
+        </p:sp>
+        <p:sp>
+          <p:nvSpPr>
+            <p:cNvPr id="18" name="文本框 17"/>
+            <p:cNvSpPr txBox="1"/>
+            <p:nvPr/>
+          </p:nvSpPr>
+          <p:spPr>
+            <a:xfrm>
+              <a:off x="4992" y="1973"/>
+              <a:ext cx="852" cy="580"/>
+            </a:xfrm>
+            <a:prstGeom prst="rect">
+              <a:avLst/>
+            </a:prstGeom>
+            <a:noFill/>
+          </p:spPr>
+          <p:txBody>
+            <a:bodyPr wrap="square" rtlCol="0">
+              <a:spAutoFit/>
+            </a:bodyPr>
+            <a:p>
+              <a:r>
+                <a:rPr lang="en-US" altLang="zh-CN"/>
+                <a:t>1.0</a:t>
+              </a:r>
+              <a:endParaRPr lang="en-US" altLang="zh-CN"/>
+            </a:p>
+          </p:txBody>
+        </p:sp>
+        <p:sp>
+          <p:nvSpPr>
+            <p:cNvPr id="19" name="文本框 18"/>
+            <p:cNvSpPr txBox="1"/>
+            <p:nvPr/>
+          </p:nvSpPr>
+          <p:spPr>
+            <a:xfrm>
+              <a:off x="6978" y="6521"/>
+              <a:ext cx="801" cy="580"/>
+            </a:xfrm>
+            <a:prstGeom prst="rect">
+              <a:avLst/>
+            </a:prstGeom>
+            <a:noFill/>
+          </p:spPr>
+          <p:txBody>
+            <a:bodyPr wrap="square" rtlCol="0">
+              <a:spAutoFit/>
+            </a:bodyPr>
+            <a:p>
+              <a:r>
+                <a:rPr lang="en-US" altLang="zh-CN"/>
+                <a:t>0.3</a:t>
+              </a:r>
+              <a:endParaRPr lang="en-US" altLang="zh-CN"/>
+            </a:p>
+          </p:txBody>
+        </p:sp>
+        <p:sp>
+          <p:nvSpPr>
+            <p:cNvPr id="20" name="文本框 19"/>
+            <p:cNvSpPr txBox="1"/>
+            <p:nvPr/>
+          </p:nvSpPr>
+          <p:spPr>
+            <a:xfrm>
+              <a:off x="8415" y="6518"/>
+              <a:ext cx="813" cy="580"/>
+            </a:xfrm>
+            <a:prstGeom prst="rect">
+              <a:avLst/>
+            </a:prstGeom>
+            <a:noFill/>
+          </p:spPr>
+          <p:txBody>
+            <a:bodyPr wrap="square" rtlCol="0">
+              <a:spAutoFit/>
+            </a:bodyPr>
+            <a:p>
+              <a:r>
+                <a:rPr lang="en-US" altLang="zh-CN"/>
+                <a:t>0.6</a:t>
+              </a:r>
+              <a:endParaRPr lang="en-US" altLang="zh-CN"/>
+            </a:p>
+          </p:txBody>
+        </p:sp>
+        <p:sp>
+          <p:nvSpPr>
+            <p:cNvPr id="21" name="文本框 20"/>
+            <p:cNvSpPr txBox="1"/>
+            <p:nvPr/>
+          </p:nvSpPr>
+          <p:spPr>
+            <a:xfrm>
+              <a:off x="9847" y="6531"/>
+              <a:ext cx="813" cy="580"/>
+            </a:xfrm>
+            <a:prstGeom prst="rect">
+              <a:avLst/>
+            </a:prstGeom>
+            <a:noFill/>
+          </p:spPr>
+          <p:txBody>
+            <a:bodyPr wrap="square" rtlCol="0">
+              <a:spAutoFit/>
+            </a:bodyPr>
+            <a:p>
+              <a:r>
+                <a:rPr lang="en-US" altLang="zh-CN"/>
+                <a:t>0.9</a:t>
+              </a:r>
+              <a:endParaRPr lang="en-US" altLang="zh-CN"/>
+            </a:p>
+          </p:txBody>
+        </p:sp>
+        <p:sp>
+          <p:nvSpPr>
+            <p:cNvPr id="23" name="椭圆 22"/>
+            <p:cNvSpPr/>
+            <p:nvPr/>
+          </p:nvSpPr>
+          <p:spPr>
+            <a:xfrm>
+              <a:off x="10482" y="4074"/>
+              <a:ext cx="119" cy="119"/>
+            </a:xfrm>
+            <a:prstGeom prst="ellipse">
+              <a:avLst/>
+            </a:prstGeom>
+          </p:spPr>
+          <p:style>
+            <a:lnRef idx="2">
               <a:schemeClr val="accent1">
-                <a:shade val="50000"/>
+                <a:lumMod val="75000"/>
               </a:schemeClr>
-            </a:solidFill>
-            <a:prstDash val="sysDash"/>
-          </a:ln>
-        </p:spPr>
-        <p:style>
-          <a:lnRef idx="2">
-            <a:schemeClr val="accent1"/>
-          </a:lnRef>
-          <a:fillRef idx="0">
-            <a:srgbClr val="FFFFFF"/>
-          </a:fillRef>
-          <a:effectRef idx="0">
-            <a:srgbClr val="FFFFFF"/>
-          </a:effectRef>
-          <a:fontRef idx="minor">
-            <a:schemeClr val="tx1"/>
-          </a:fontRef>
-        </p:style>
-      </p:cxnSp>
-      <p:cxnSp>
-        <p:nvCxnSpPr>
-          <p:cNvPr id="51" name="直接连接符 50"/>
-          <p:cNvCxnSpPr/>
-          <p:nvPr/>
-        </p:nvCxnSpPr>
-        <p:spPr>
-          <a:xfrm flipV="1">
-            <a:off x="3448050" y="1581150"/>
-            <a:ext cx="2971800" cy="19050"/>
-          </a:xfrm>
-          <a:prstGeom prst="line">
-            <a:avLst/>
-          </a:prstGeom>
-          <a:ln>
-            <a:prstDash val="sysDot"/>
-          </a:ln>
-        </p:spPr>
-        <p:style>
-          <a:lnRef idx="2">
-            <a:schemeClr val="accent1"/>
-          </a:lnRef>
-          <a:fillRef idx="0">
-            <a:srgbClr val="FFFFFF"/>
-          </a:fillRef>
-          <a:effectRef idx="0">
-            <a:srgbClr val="FFFFFF"/>
-          </a:effectRef>
-          <a:fontRef idx="minor">
-            <a:schemeClr val="tx1"/>
-          </a:fontRef>
-        </p:style>
-      </p:cxnSp>
-      <p:cxnSp>
-        <p:nvCxnSpPr>
-          <p:cNvPr id="52" name="直接连接符 51"/>
-          <p:cNvCxnSpPr/>
-          <p:nvPr/>
-        </p:nvCxnSpPr>
-        <p:spPr>
-          <a:xfrm>
-            <a:off x="6438900" y="1644650"/>
-            <a:ext cx="0" cy="2584450"/>
-          </a:xfrm>
-          <a:prstGeom prst="line">
-            <a:avLst/>
-          </a:prstGeom>
-          <a:ln>
-            <a:prstDash val="sysDot"/>
-          </a:ln>
-        </p:spPr>
-        <p:style>
-          <a:lnRef idx="2">
-            <a:schemeClr val="accent1"/>
-          </a:lnRef>
-          <a:fillRef idx="0">
-            <a:srgbClr val="FFFFFF"/>
-          </a:fillRef>
-          <a:effectRef idx="0">
-            <a:srgbClr val="FFFFFF"/>
-          </a:effectRef>
-          <a:fontRef idx="minor">
-            <a:schemeClr val="tx1"/>
-          </a:fontRef>
-        </p:style>
-      </p:cxnSp>
-      <p:sp>
-        <p:nvSpPr>
-          <p:cNvPr id="53" name="文本框 52"/>
-          <p:cNvSpPr txBox="1"/>
-          <p:nvPr/>
-        </p:nvSpPr>
-        <p:spPr>
-          <a:xfrm>
-            <a:off x="3449320" y="4308475"/>
-            <a:ext cx="571500" cy="521970"/>
-          </a:xfrm>
-          <a:prstGeom prst="rect">
-            <a:avLst/>
-          </a:prstGeom>
-          <a:noFill/>
-        </p:spPr>
-        <p:txBody>
-          <a:bodyPr wrap="square" rtlCol="0">
-            <a:spAutoFit/>
-          </a:bodyPr>
-          <a:p>
-            <a:r>
-              <a:rPr lang="en-US" altLang="zh-CN" sz="1400"/>
-              <a:t>TP=0</a:t>
-            </a:r>
-            <a:endParaRPr lang="en-US" altLang="zh-CN" sz="1400"/>
-          </a:p>
-          <a:p>
-            <a:r>
-              <a:rPr lang="en-US" altLang="zh-CN" sz="1400"/>
-              <a:t>FP=0</a:t>
-            </a:r>
-            <a:endParaRPr lang="en-US" altLang="zh-CN" sz="1400"/>
-          </a:p>
-        </p:txBody>
-      </p:sp>
-      <p:sp>
-        <p:nvSpPr>
-          <p:cNvPr id="54" name="文本框 53"/>
-          <p:cNvSpPr txBox="1"/>
-          <p:nvPr/>
-        </p:nvSpPr>
-        <p:spPr>
-          <a:xfrm>
-            <a:off x="6388100" y="4364355"/>
-            <a:ext cx="571500" cy="521970"/>
-          </a:xfrm>
-          <a:prstGeom prst="rect">
-            <a:avLst/>
-          </a:prstGeom>
-          <a:noFill/>
-        </p:spPr>
-        <p:txBody>
-          <a:bodyPr wrap="square" rtlCol="0">
-            <a:spAutoFit/>
-          </a:bodyPr>
-          <a:p>
-            <a:r>
-              <a:rPr lang="en-US" altLang="zh-CN" sz="1400"/>
-              <a:t>TP=0</a:t>
-            </a:r>
-            <a:endParaRPr lang="en-US" altLang="zh-CN" sz="1400"/>
-          </a:p>
-          <a:p>
-            <a:r>
-              <a:rPr lang="en-US" altLang="zh-CN" sz="1400"/>
-              <a:t>TN=0</a:t>
-            </a:r>
-            <a:endParaRPr lang="en-US" altLang="zh-CN" sz="1400"/>
-          </a:p>
-        </p:txBody>
-      </p:sp>
-      <p:sp>
-        <p:nvSpPr>
-          <p:cNvPr id="55" name="椭圆 54"/>
-          <p:cNvSpPr/>
-          <p:nvPr/>
-        </p:nvSpPr>
-        <p:spPr>
-          <a:xfrm>
-            <a:off x="3344545" y="1494790"/>
-            <a:ext cx="151765" cy="159385"/>
-          </a:xfrm>
-          <a:prstGeom prst="ellipse">
-            <a:avLst/>
-          </a:prstGeom>
-        </p:spPr>
-        <p:style>
-          <a:lnRef idx="2">
-            <a:schemeClr val="accent1">
-              <a:lumMod val="75000"/>
-            </a:schemeClr>
-          </a:lnRef>
-          <a:fillRef idx="1">
-            <a:schemeClr val="accent1"/>
-          </a:fillRef>
-          <a:effectRef idx="0">
-            <a:srgbClr val="FFFFFF"/>
-          </a:effectRef>
-          <a:fontRef idx="minor">
-            <a:schemeClr val="lt1"/>
-          </a:fontRef>
-        </p:style>
-        <p:txBody>
-          <a:bodyPr rtlCol="0" anchor="ctr"/>
-          <a:p>
-            <a:pPr algn="ctr"/>
-            <a:endParaRPr lang="zh-CN" altLang="en-US"/>
-          </a:p>
-        </p:txBody>
-      </p:sp>
-      <p:sp>
-        <p:nvSpPr>
-          <p:cNvPr id="56" name="文本框 55"/>
-          <p:cNvSpPr txBox="1"/>
-          <p:nvPr/>
-        </p:nvSpPr>
-        <p:spPr>
-          <a:xfrm>
-            <a:off x="6438900" y="853440"/>
-            <a:ext cx="571500" cy="521970"/>
-          </a:xfrm>
-          <a:prstGeom prst="rect">
-            <a:avLst/>
-          </a:prstGeom>
-          <a:noFill/>
-        </p:spPr>
-        <p:txBody>
-          <a:bodyPr wrap="square" rtlCol="0">
-            <a:spAutoFit/>
-          </a:bodyPr>
-          <a:p>
-            <a:r>
-              <a:rPr lang="en-US" altLang="zh-CN" sz="1400"/>
-              <a:t>FN=0</a:t>
-            </a:r>
-            <a:endParaRPr lang="en-US" altLang="zh-CN" sz="1400"/>
-          </a:p>
-          <a:p>
-            <a:r>
-              <a:rPr lang="en-US" altLang="zh-CN" sz="1400"/>
-              <a:t>TN=0</a:t>
-            </a:r>
-            <a:endParaRPr lang="en-US" altLang="zh-CN" sz="1400"/>
-          </a:p>
-        </p:txBody>
-      </p:sp>
-      <p:sp>
-        <p:nvSpPr>
-          <p:cNvPr id="57" name="文本框 56"/>
-          <p:cNvSpPr txBox="1"/>
-          <p:nvPr/>
-        </p:nvSpPr>
-        <p:spPr>
-          <a:xfrm>
-            <a:off x="3505835" y="1045210"/>
-            <a:ext cx="571500" cy="521970"/>
-          </a:xfrm>
-          <a:prstGeom prst="rect">
-            <a:avLst/>
-          </a:prstGeom>
-          <a:noFill/>
-        </p:spPr>
-        <p:txBody>
-          <a:bodyPr wrap="square" rtlCol="0">
-            <a:spAutoFit/>
-          </a:bodyPr>
-          <a:p>
-            <a:r>
-              <a:rPr lang="en-US" altLang="zh-CN" sz="1400"/>
-              <a:t>FN=0</a:t>
-            </a:r>
-            <a:endParaRPr lang="en-US" altLang="zh-CN" sz="1400"/>
-          </a:p>
-          <a:p>
-            <a:r>
-              <a:rPr lang="en-US" altLang="zh-CN" sz="1400"/>
-              <a:t>FP=0</a:t>
-            </a:r>
-            <a:endParaRPr lang="en-US" altLang="zh-CN" sz="1400"/>
-          </a:p>
-        </p:txBody>
-      </p:sp>
-      <p:sp>
-        <p:nvSpPr>
-          <p:cNvPr id="58" name="文本框 57"/>
-          <p:cNvSpPr txBox="1"/>
-          <p:nvPr/>
-        </p:nvSpPr>
-        <p:spPr>
-          <a:xfrm>
-            <a:off x="6574790" y="3774440"/>
-            <a:ext cx="565785" cy="368300"/>
-          </a:xfrm>
-          <a:prstGeom prst="rect">
-            <a:avLst/>
-          </a:prstGeom>
-          <a:noFill/>
-        </p:spPr>
-        <p:txBody>
-          <a:bodyPr wrap="square" rtlCol="0">
-            <a:spAutoFit/>
-          </a:bodyPr>
-          <a:p>
-            <a:r>
-              <a:rPr lang="en-US" altLang="zh-CN"/>
-              <a:t>(1,0)</a:t>
-            </a:r>
-            <a:endParaRPr lang="en-US" altLang="zh-CN"/>
-          </a:p>
-        </p:txBody>
-      </p:sp>
-      <p:sp>
-        <p:nvSpPr>
-          <p:cNvPr id="59" name="文本框 58"/>
-          <p:cNvSpPr txBox="1"/>
-          <p:nvPr/>
-        </p:nvSpPr>
-        <p:spPr>
-          <a:xfrm>
-            <a:off x="2698750" y="1078865"/>
-            <a:ext cx="565785" cy="368300"/>
-          </a:xfrm>
-          <a:prstGeom prst="rect">
-            <a:avLst/>
-          </a:prstGeom>
-          <a:noFill/>
-        </p:spPr>
-        <p:txBody>
-          <a:bodyPr wrap="square" rtlCol="0">
-            <a:spAutoFit/>
-          </a:bodyPr>
-          <a:p>
-            <a:r>
-              <a:rPr lang="en-US" altLang="zh-CN"/>
-              <a:t>(0,1)</a:t>
-            </a:r>
-            <a:endParaRPr lang="en-US" altLang="zh-CN"/>
-          </a:p>
-        </p:txBody>
-      </p:sp>
-      <p:sp>
-        <p:nvSpPr>
-          <p:cNvPr id="60" name="文本框 59"/>
-          <p:cNvSpPr txBox="1"/>
-          <p:nvPr/>
-        </p:nvSpPr>
-        <p:spPr>
-          <a:xfrm>
-            <a:off x="6604635" y="1392555"/>
-            <a:ext cx="565785" cy="368300"/>
-          </a:xfrm>
-          <a:prstGeom prst="rect">
-            <a:avLst/>
-          </a:prstGeom>
-          <a:noFill/>
-        </p:spPr>
-        <p:txBody>
-          <a:bodyPr wrap="square" rtlCol="0">
-            <a:spAutoFit/>
-          </a:bodyPr>
-          <a:p>
-            <a:r>
-              <a:rPr lang="en-US" altLang="zh-CN"/>
-              <a:t>(1,1)</a:t>
-            </a:r>
-            <a:endParaRPr lang="en-US" altLang="zh-CN"/>
-          </a:p>
-        </p:txBody>
-      </p:sp>
+            </a:lnRef>
+            <a:fillRef idx="1">
+              <a:schemeClr val="accent1"/>
+            </a:fillRef>
+            <a:effectRef idx="0">
+              <a:srgbClr val="FFFFFF"/>
+            </a:effectRef>
+            <a:fontRef idx="minor">
+              <a:schemeClr val="lt1"/>
+            </a:fontRef>
+          </p:style>
+          <p:txBody>
+            <a:bodyPr rtlCol="0" anchor="ctr"/>
+            <a:p>
+              <a:pPr algn="ctr"/>
+              <a:endParaRPr lang="zh-CN" altLang="en-US"/>
+            </a:p>
+          </p:txBody>
+        </p:sp>
+        <p:sp>
+          <p:nvSpPr>
+            <p:cNvPr id="25" name="椭圆 24"/>
+            <p:cNvSpPr/>
+            <p:nvPr/>
+          </p:nvSpPr>
+          <p:spPr>
+            <a:xfrm>
+              <a:off x="5870" y="2203"/>
+              <a:ext cx="119" cy="119"/>
+            </a:xfrm>
+            <a:prstGeom prst="ellipse">
+              <a:avLst/>
+            </a:prstGeom>
+          </p:spPr>
+          <p:style>
+            <a:lnRef idx="2">
+              <a:schemeClr val="accent1">
+                <a:lumMod val="75000"/>
+              </a:schemeClr>
+            </a:lnRef>
+            <a:fillRef idx="1">
+              <a:schemeClr val="accent1"/>
+            </a:fillRef>
+            <a:effectRef idx="0">
+              <a:srgbClr val="FFFFFF"/>
+            </a:effectRef>
+            <a:fontRef idx="minor">
+              <a:schemeClr val="lt1"/>
+            </a:fontRef>
+          </p:style>
+          <p:txBody>
+            <a:bodyPr rtlCol="0" anchor="ctr"/>
+            <a:p>
+              <a:pPr algn="ctr"/>
+              <a:endParaRPr lang="zh-CN" altLang="en-US"/>
+            </a:p>
+          </p:txBody>
+        </p:sp>
+        <p:sp>
+          <p:nvSpPr>
+            <p:cNvPr id="26" name="椭圆 25"/>
+            <p:cNvSpPr/>
+            <p:nvPr/>
+          </p:nvSpPr>
+          <p:spPr>
+            <a:xfrm>
+              <a:off x="10482" y="3434"/>
+              <a:ext cx="119" cy="119"/>
+            </a:xfrm>
+            <a:prstGeom prst="ellipse">
+              <a:avLst/>
+            </a:prstGeom>
+          </p:spPr>
+          <p:style>
+            <a:lnRef idx="2">
+              <a:schemeClr val="accent1">
+                <a:lumMod val="75000"/>
+              </a:schemeClr>
+            </a:lnRef>
+            <a:fillRef idx="1">
+              <a:schemeClr val="accent1"/>
+            </a:fillRef>
+            <a:effectRef idx="0">
+              <a:srgbClr val="FFFFFF"/>
+            </a:effectRef>
+            <a:fontRef idx="minor">
+              <a:schemeClr val="lt1"/>
+            </a:fontRef>
+          </p:style>
+          <p:txBody>
+            <a:bodyPr rtlCol="0" anchor="ctr"/>
+            <a:p>
+              <a:pPr algn="ctr"/>
+              <a:endParaRPr lang="zh-CN" altLang="en-US"/>
+            </a:p>
+          </p:txBody>
+        </p:sp>
+        <p:sp>
+          <p:nvSpPr>
+            <p:cNvPr id="27" name="椭圆 26"/>
+            <p:cNvSpPr/>
+            <p:nvPr/>
+          </p:nvSpPr>
+          <p:spPr>
+            <a:xfrm>
+              <a:off x="8709" y="2216"/>
+              <a:ext cx="119" cy="119"/>
+            </a:xfrm>
+            <a:prstGeom prst="ellipse">
+              <a:avLst/>
+            </a:prstGeom>
+          </p:spPr>
+          <p:style>
+            <a:lnRef idx="2">
+              <a:schemeClr val="accent1">
+                <a:lumMod val="75000"/>
+              </a:schemeClr>
+            </a:lnRef>
+            <a:fillRef idx="1">
+              <a:schemeClr val="accent1"/>
+            </a:fillRef>
+            <a:effectRef idx="0">
+              <a:srgbClr val="FFFFFF"/>
+            </a:effectRef>
+            <a:fontRef idx="minor">
+              <a:schemeClr val="lt1"/>
+            </a:fontRef>
+          </p:style>
+          <p:txBody>
+            <a:bodyPr rtlCol="0" anchor="ctr"/>
+            <a:p>
+              <a:pPr algn="ctr"/>
+              <a:endParaRPr lang="zh-CN" altLang="en-US"/>
+            </a:p>
+          </p:txBody>
+        </p:sp>
+        <p:sp>
+          <p:nvSpPr>
+            <p:cNvPr id="28" name="椭圆 27"/>
+            <p:cNvSpPr/>
+            <p:nvPr/>
+          </p:nvSpPr>
+          <p:spPr>
+            <a:xfrm>
+              <a:off x="7165" y="2203"/>
+              <a:ext cx="119" cy="119"/>
+            </a:xfrm>
+            <a:prstGeom prst="ellipse">
+              <a:avLst/>
+            </a:prstGeom>
+          </p:spPr>
+          <p:style>
+            <a:lnRef idx="2">
+              <a:schemeClr val="accent1">
+                <a:lumMod val="75000"/>
+              </a:schemeClr>
+            </a:lnRef>
+            <a:fillRef idx="1">
+              <a:schemeClr val="accent1"/>
+            </a:fillRef>
+            <a:effectRef idx="0">
+              <a:srgbClr val="FFFFFF"/>
+            </a:effectRef>
+            <a:fontRef idx="minor">
+              <a:schemeClr val="lt1"/>
+            </a:fontRef>
+          </p:style>
+          <p:txBody>
+            <a:bodyPr rtlCol="0" anchor="ctr"/>
+            <a:p>
+              <a:pPr algn="ctr"/>
+              <a:endParaRPr lang="zh-CN" altLang="en-US"/>
+            </a:p>
+          </p:txBody>
+        </p:sp>
+        <p:cxnSp>
+          <p:nvCxnSpPr>
+            <p:cNvPr id="29" name="直接连接符 28"/>
+            <p:cNvCxnSpPr>
+              <a:stCxn id="28" idx="4"/>
+            </p:cNvCxnSpPr>
+            <p:nvPr/>
+          </p:nvCxnSpPr>
+          <p:spPr>
+            <a:xfrm>
+              <a:off x="7225" y="2322"/>
+              <a:ext cx="7" cy="4079"/>
+            </a:xfrm>
+            <a:prstGeom prst="line">
+              <a:avLst/>
+            </a:prstGeom>
+            <a:ln w="12700" cmpd="sng">
+              <a:solidFill>
+                <a:schemeClr val="accent1">
+                  <a:shade val="50000"/>
+                </a:schemeClr>
+              </a:solidFill>
+              <a:prstDash val="dash"/>
+            </a:ln>
+          </p:spPr>
+          <p:style>
+            <a:lnRef idx="2">
+              <a:schemeClr val="accent1"/>
+            </a:lnRef>
+            <a:fillRef idx="0">
+              <a:srgbClr val="FFFFFF"/>
+            </a:fillRef>
+            <a:effectRef idx="0">
+              <a:srgbClr val="FFFFFF"/>
+            </a:effectRef>
+            <a:fontRef idx="minor">
+              <a:schemeClr val="tx1"/>
+            </a:fontRef>
+          </p:style>
+        </p:cxnSp>
+        <p:cxnSp>
+          <p:nvCxnSpPr>
+            <p:cNvPr id="30" name="直接连接符 29"/>
+            <p:cNvCxnSpPr/>
+            <p:nvPr/>
+          </p:nvCxnSpPr>
+          <p:spPr>
+            <a:xfrm>
+              <a:off x="8810" y="2356"/>
+              <a:ext cx="7" cy="4079"/>
+            </a:xfrm>
+            <a:prstGeom prst="line">
+              <a:avLst/>
+            </a:prstGeom>
+            <a:ln w="12700" cmpd="sng">
+              <a:solidFill>
+                <a:schemeClr val="accent1">
+                  <a:shade val="50000"/>
+                </a:schemeClr>
+              </a:solidFill>
+              <a:prstDash val="dash"/>
+            </a:ln>
+          </p:spPr>
+          <p:style>
+            <a:lnRef idx="2">
+              <a:schemeClr val="accent1"/>
+            </a:lnRef>
+            <a:fillRef idx="0">
+              <a:srgbClr val="FFFFFF"/>
+            </a:fillRef>
+            <a:effectRef idx="0">
+              <a:srgbClr val="FFFFFF"/>
+            </a:effectRef>
+            <a:fontRef idx="minor">
+              <a:schemeClr val="tx1"/>
+            </a:fontRef>
+          </p:style>
+        </p:cxnSp>
+        <p:cxnSp>
+          <p:nvCxnSpPr>
+            <p:cNvPr id="32" name="直接连接符 31"/>
+            <p:cNvCxnSpPr/>
+            <p:nvPr/>
+          </p:nvCxnSpPr>
+          <p:spPr>
+            <a:xfrm flipV="1">
+              <a:off x="5965" y="4178"/>
+              <a:ext cx="4596" cy="15"/>
+            </a:xfrm>
+            <a:prstGeom prst="line">
+              <a:avLst/>
+            </a:prstGeom>
+            <a:ln w="12700" cmpd="sng">
+              <a:solidFill>
+                <a:schemeClr val="accent1">
+                  <a:shade val="50000"/>
+                </a:schemeClr>
+              </a:solidFill>
+              <a:prstDash val="sysDot"/>
+            </a:ln>
+          </p:spPr>
+          <p:style>
+            <a:lnRef idx="2">
+              <a:schemeClr val="accent1"/>
+            </a:lnRef>
+            <a:fillRef idx="0">
+              <a:srgbClr val="FFFFFF"/>
+            </a:fillRef>
+            <a:effectRef idx="0">
+              <a:srgbClr val="FFFFFF"/>
+            </a:effectRef>
+            <a:fontRef idx="minor">
+              <a:schemeClr val="tx1"/>
+            </a:fontRef>
+          </p:style>
+        </p:cxnSp>
+        <p:cxnSp>
+          <p:nvCxnSpPr>
+            <p:cNvPr id="33" name="直接连接符 32"/>
+            <p:cNvCxnSpPr/>
+            <p:nvPr/>
+          </p:nvCxnSpPr>
+          <p:spPr>
+            <a:xfrm>
+              <a:off x="5978" y="2248"/>
+              <a:ext cx="2787" cy="0"/>
+            </a:xfrm>
+            <a:prstGeom prst="line">
+              <a:avLst/>
+            </a:prstGeom>
+            <a:ln w="44450" cmpd="sng">
+              <a:solidFill>
+                <a:schemeClr val="accent6"/>
+              </a:solidFill>
+              <a:prstDash val="solid"/>
+            </a:ln>
+          </p:spPr>
+          <p:style>
+            <a:lnRef idx="2">
+              <a:schemeClr val="accent1"/>
+            </a:lnRef>
+            <a:fillRef idx="0">
+              <a:srgbClr val="FFFFFF"/>
+            </a:fillRef>
+            <a:effectRef idx="0">
+              <a:srgbClr val="FFFFFF"/>
+            </a:effectRef>
+            <a:fontRef idx="minor">
+              <a:schemeClr val="tx1"/>
+            </a:fontRef>
+          </p:style>
+        </p:cxnSp>
+        <p:cxnSp>
+          <p:nvCxnSpPr>
+            <p:cNvPr id="34" name="直接连接符 33"/>
+            <p:cNvCxnSpPr/>
+            <p:nvPr/>
+          </p:nvCxnSpPr>
+          <p:spPr>
+            <a:xfrm flipV="1">
+              <a:off x="6015" y="3444"/>
+              <a:ext cx="4493" cy="15"/>
+            </a:xfrm>
+            <a:prstGeom prst="line">
+              <a:avLst/>
+            </a:prstGeom>
+            <a:ln w="12700" cmpd="sng">
+              <a:solidFill>
+                <a:schemeClr val="accent1">
+                  <a:shade val="50000"/>
+                </a:schemeClr>
+              </a:solidFill>
+              <a:prstDash val="sysDot"/>
+            </a:ln>
+          </p:spPr>
+          <p:style>
+            <a:lnRef idx="2">
+              <a:schemeClr val="accent1"/>
+            </a:lnRef>
+            <a:fillRef idx="0">
+              <a:srgbClr val="FFFFFF"/>
+            </a:fillRef>
+            <a:effectRef idx="0">
+              <a:srgbClr val="FFFFFF"/>
+            </a:effectRef>
+            <a:fontRef idx="minor">
+              <a:schemeClr val="tx1"/>
+            </a:fontRef>
+          </p:style>
+        </p:cxnSp>
+        <p:cxnSp>
+          <p:nvCxnSpPr>
+            <p:cNvPr id="35" name="直接连接符 34"/>
+            <p:cNvCxnSpPr/>
+            <p:nvPr/>
+          </p:nvCxnSpPr>
+          <p:spPr>
+            <a:xfrm flipH="1">
+              <a:off x="10526" y="3557"/>
+              <a:ext cx="23" cy="2925"/>
+            </a:xfrm>
+            <a:prstGeom prst="line">
+              <a:avLst/>
+            </a:prstGeom>
+            <a:ln w="12700" cmpd="sng">
+              <a:solidFill>
+                <a:schemeClr val="accent1">
+                  <a:shade val="50000"/>
+                </a:schemeClr>
+              </a:solidFill>
+              <a:prstDash val="dash"/>
+            </a:ln>
+          </p:spPr>
+          <p:style>
+            <a:lnRef idx="2">
+              <a:schemeClr val="accent1"/>
+            </a:lnRef>
+            <a:fillRef idx="0">
+              <a:srgbClr val="FFFFFF"/>
+            </a:fillRef>
+            <a:effectRef idx="0">
+              <a:srgbClr val="FFFFFF"/>
+            </a:effectRef>
+            <a:fontRef idx="minor">
+              <a:schemeClr val="tx1"/>
+            </a:fontRef>
+          </p:style>
+        </p:cxnSp>
+        <p:sp>
+          <p:nvSpPr>
+            <p:cNvPr id="38" name="椭圆 37"/>
+            <p:cNvSpPr/>
+            <p:nvPr/>
+          </p:nvSpPr>
+          <p:spPr>
+            <a:xfrm>
+              <a:off x="8754" y="4134"/>
+              <a:ext cx="119" cy="119"/>
+            </a:xfrm>
+            <a:prstGeom prst="ellipse">
+              <a:avLst/>
+            </a:prstGeom>
+          </p:spPr>
+          <p:style>
+            <a:lnRef idx="2">
+              <a:schemeClr val="accent1">
+                <a:lumMod val="75000"/>
+              </a:schemeClr>
+            </a:lnRef>
+            <a:fillRef idx="1">
+              <a:schemeClr val="accent1"/>
+            </a:fillRef>
+            <a:effectRef idx="0">
+              <a:srgbClr val="FFFFFF"/>
+            </a:effectRef>
+            <a:fontRef idx="minor">
+              <a:schemeClr val="lt1"/>
+            </a:fontRef>
+          </p:style>
+          <p:txBody>
+            <a:bodyPr rtlCol="0" anchor="ctr"/>
+            <a:p>
+              <a:pPr algn="ctr"/>
+              <a:endParaRPr lang="zh-CN" altLang="en-US"/>
+            </a:p>
+          </p:txBody>
+        </p:sp>
+        <p:cxnSp>
+          <p:nvCxnSpPr>
+            <p:cNvPr id="39" name="直接连接符 38"/>
+            <p:cNvCxnSpPr/>
+            <p:nvPr/>
+          </p:nvCxnSpPr>
+          <p:spPr>
+            <a:xfrm>
+              <a:off x="8810" y="2348"/>
+              <a:ext cx="4" cy="1764"/>
+            </a:xfrm>
+            <a:prstGeom prst="line">
+              <a:avLst/>
+            </a:prstGeom>
+            <a:ln w="38100">
+              <a:solidFill>
+                <a:schemeClr val="accent6"/>
+              </a:solidFill>
+            </a:ln>
+          </p:spPr>
+          <p:style>
+            <a:lnRef idx="2">
+              <a:schemeClr val="accent1"/>
+            </a:lnRef>
+            <a:fillRef idx="0">
+              <a:srgbClr val="FFFFFF"/>
+            </a:fillRef>
+            <a:effectRef idx="0">
+              <a:srgbClr val="FFFFFF"/>
+            </a:effectRef>
+            <a:fontRef idx="minor">
+              <a:schemeClr val="tx1"/>
+            </a:fontRef>
+          </p:style>
+        </p:cxnSp>
+        <p:cxnSp>
+          <p:nvCxnSpPr>
+            <p:cNvPr id="40" name="直接连接符 39"/>
+            <p:cNvCxnSpPr/>
+            <p:nvPr/>
+          </p:nvCxnSpPr>
+          <p:spPr>
+            <a:xfrm flipH="1">
+              <a:off x="8793" y="3558"/>
+              <a:ext cx="1711" cy="598"/>
+            </a:xfrm>
+            <a:prstGeom prst="line">
+              <a:avLst/>
+            </a:prstGeom>
+            <a:ln w="38100">
+              <a:solidFill>
+                <a:schemeClr val="accent6"/>
+              </a:solidFill>
+            </a:ln>
+          </p:spPr>
+          <p:style>
+            <a:lnRef idx="2">
+              <a:schemeClr val="accent1"/>
+            </a:lnRef>
+            <a:fillRef idx="0">
+              <a:srgbClr val="FFFFFF"/>
+            </a:fillRef>
+            <a:effectRef idx="0">
+              <a:srgbClr val="FFFFFF"/>
+            </a:effectRef>
+            <a:fontRef idx="minor">
+              <a:schemeClr val="tx1"/>
+            </a:fontRef>
+          </p:style>
+        </p:cxnSp>
+        <p:cxnSp>
+          <p:nvCxnSpPr>
+            <p:cNvPr id="41" name="直接连接符 40"/>
+            <p:cNvCxnSpPr/>
+            <p:nvPr/>
+          </p:nvCxnSpPr>
+          <p:spPr>
+            <a:xfrm flipH="1">
+              <a:off x="10550" y="3594"/>
+              <a:ext cx="5" cy="516"/>
+            </a:xfrm>
+            <a:prstGeom prst="line">
+              <a:avLst/>
+            </a:prstGeom>
+            <a:ln w="38100">
+              <a:solidFill>
+                <a:schemeClr val="accent6"/>
+              </a:solidFill>
+            </a:ln>
+          </p:spPr>
+          <p:style>
+            <a:lnRef idx="2">
+              <a:schemeClr val="accent1"/>
+            </a:lnRef>
+            <a:fillRef idx="0">
+              <a:srgbClr val="FFFFFF"/>
+            </a:fillRef>
+            <a:effectRef idx="0">
+              <a:srgbClr val="FFFFFF"/>
+            </a:effectRef>
+            <a:fontRef idx="minor">
+              <a:schemeClr val="tx1"/>
+            </a:fontRef>
+          </p:style>
+        </p:cxnSp>
+      </p:grpSp>
     </p:spTree>
   </p:cSld>
   <p:clrMapOvr>
